--- a/Modul2/FY16Q2 Azure Hybrid (IT Camp Hybrid IT).pptx
+++ b/Modul2/FY16Q2 Azure Hybrid (IT Camp Hybrid IT).pptx
@@ -5,10 +5,10 @@
     <p:sldMasterId id="2147483746" r:id="rId6"/>
   </p:sldMasterIdLst>
   <p:notesMasterIdLst>
-    <p:notesMasterId r:id="rId18"/>
+    <p:notesMasterId r:id="rId15"/>
   </p:notesMasterIdLst>
   <p:handoutMasterIdLst>
-    <p:handoutMasterId r:id="rId19"/>
+    <p:handoutMasterId r:id="rId16"/>
   </p:handoutMasterIdLst>
   <p:sldIdLst>
     <p:sldId id="409" r:id="rId7"/>
@@ -18,10 +18,7 @@
     <p:sldId id="538" r:id="rId11"/>
     <p:sldId id="539" r:id="rId12"/>
     <p:sldId id="540" r:id="rId13"/>
-    <p:sldId id="541" r:id="rId14"/>
-    <p:sldId id="542" r:id="rId15"/>
-    <p:sldId id="543" r:id="rId16"/>
-    <p:sldId id="527" r:id="rId17"/>
+    <p:sldId id="527" r:id="rId14"/>
   </p:sldIdLst>
   <p:sldSz cx="12436475" cy="6994525"/>
   <p:notesSz cx="6858000" cy="9144000"/>
@@ -128,17 +125,18 @@
             <p14:sldId id="409"/>
           </p14:sldIdLst>
         </p14:section>
-        <p14:section name="Intro" id="{624822EC-37D7-404C-B5BB-58E7B24D68AC}">
+        <p14:section name="Virtual Networks" id="{624822EC-37D7-404C-B5BB-58E7B24D68AC}">
           <p14:sldIdLst>
             <p14:sldId id="534"/>
             <p14:sldId id="536"/>
             <p14:sldId id="537"/>
+          </p14:sldIdLst>
+        </p14:section>
+        <p14:section name="Azure Active Directory" id="{4064EF12-74A6-4427-995E-88208A78D9D0}">
+          <p14:sldIdLst>
             <p14:sldId id="538"/>
             <p14:sldId id="539"/>
             <p14:sldId id="540"/>
-            <p14:sldId id="541"/>
-            <p14:sldId id="542"/>
-            <p14:sldId id="543"/>
           </p14:sldIdLst>
         </p14:section>
         <p14:section name="Outro" id="{E8BBA2FB-63B4-4B05-9595-8BFF66D9584D}">
@@ -275,7 +273,7 @@
           <a:p>
             <a:fld id="{53E720BF-5BAB-4715-8B3B-2856BF90270A}" type="datetimeFigureOut">
               <a:rPr lang="de-DE" smtClean="0"/>
-              <a:t>11.10.2015</a:t>
+              <a:t>21.10.2015</a:t>
             </a:fld>
             <a:endParaRPr lang="de-DE"/>
           </a:p>
@@ -440,7 +438,7 @@
           <a:p>
             <a:fld id="{9D9CDDDB-B493-4813-BA5B-F25DD0BAB6F6}" type="datetimeFigureOut">
               <a:rPr lang="en-US" smtClean="0"/>
-              <a:t>10/11/2015</a:t>
+              <a:t>10/21/2015</a:t>
             </a:fld>
             <a:endParaRPr lang="en-US"/>
           </a:p>
@@ -747,14 +745,14 @@
           </a:ln>
           <a:extLst>
             <a:ext uri="{909E8E84-426E-40dd-AFC4-6F175D3DCCD1}">
-              <a14:hiddenFill xmlns="" xmlns:a14="http://schemas.microsoft.com/office/drawing/2010/main">
+              <a14:hiddenFill xmlns:a14="http://schemas.microsoft.com/office/drawing/2010/main" xmlns="">
                 <a:solidFill>
                   <a:srgbClr val="FFFFFF"/>
                 </a:solidFill>
               </a14:hiddenFill>
             </a:ext>
             <a:ext uri="{FAA26D3D-D897-4be2-8F04-BA451C77F1D7}">
-              <ma14:placeholderFlag xmlns="" xmlns:ma14="http://schemas.microsoft.com/office/mac/drawingml/2011/main" val="1"/>
+              <ma14:placeholderFlag xmlns:ma14="http://schemas.microsoft.com/office/mac/drawingml/2011/main" xmlns="" val="1"/>
             </a:ext>
           </a:extLst>
         </p:spPr>
@@ -999,7 +997,7 @@
                 <a:latin typeface="Calibri" charset="0"/>
               </a:rPr>
               <a:pPr eaLnBrk="1" hangingPunct="1"/>
-              <a:t>10/11/2015</a:t>
+              <a:t>10/21/2015</a:t>
             </a:fld>
             <a:endParaRPr lang="en-US" sz="1200">
               <a:solidFill>
@@ -1164,206 +1162,6 @@
     <p:extLst>
       <p:ext uri="{BB962C8B-B14F-4D97-AF65-F5344CB8AC3E}">
         <p14:creationId xmlns:p14="http://schemas.microsoft.com/office/powerpoint/2010/main" val="4022523800"/>
-      </p:ext>
-    </p:extLst>
-  </p:cSld>
-  <p:clrMapOvr>
-    <a:masterClrMapping/>
-  </p:clrMapOvr>
-</p:notes>
-</file>
-
-<file path=ppt/notesSlides/notesSlide10.xml><?xml version="1.0" encoding="utf-8"?>
-<p:notes xmlns:a="http://schemas.openxmlformats.org/drawingml/2006/main" xmlns:r="http://schemas.openxmlformats.org/officeDocument/2006/relationships" xmlns:p="http://schemas.openxmlformats.org/presentationml/2006/main">
-  <p:cSld>
-    <p:spTree>
-      <p:nvGrpSpPr>
-        <p:cNvPr id="1" name=""/>
-        <p:cNvGrpSpPr/>
-        <p:nvPr/>
-      </p:nvGrpSpPr>
-      <p:grpSpPr>
-        <a:xfrm>
-          <a:off x="0" y="0"/>
-          <a:ext cx="0" cy="0"/>
-          <a:chOff x="0" y="0"/>
-          <a:chExt cx="0" cy="0"/>
-        </a:xfrm>
-      </p:grpSpPr>
-      <p:sp>
-        <p:nvSpPr>
-          <p:cNvPr id="2" name="Slide Image Placeholder 1"/>
-          <p:cNvSpPr>
-            <a:spLocks noGrp="1" noRot="1" noChangeAspect="1"/>
-          </p:cNvSpPr>
-          <p:nvPr>
-            <p:ph type="sldImg"/>
-          </p:nvPr>
-        </p:nvSpPr>
-        <p:spPr>
-          <a:xfrm>
-            <a:off x="381000" y="685800"/>
-            <a:ext cx="6096000" cy="3429000"/>
-          </a:xfrm>
-        </p:spPr>
-      </p:sp>
-      <p:sp>
-        <p:nvSpPr>
-          <p:cNvPr id="3" name="Notes Placeholder 2"/>
-          <p:cNvSpPr>
-            <a:spLocks noGrp="1"/>
-          </p:cNvSpPr>
-          <p:nvPr>
-            <p:ph type="body" idx="1"/>
-          </p:nvPr>
-        </p:nvSpPr>
-        <p:spPr/>
-        <p:txBody>
-          <a:bodyPr>
-            <a:normAutofit/>
-          </a:bodyPr>
-          <a:lstStyle/>
-          <a:p>
-            <a:endParaRPr lang="en-US" dirty="0"/>
-          </a:p>
-        </p:txBody>
-      </p:sp>
-      <p:sp>
-        <p:nvSpPr>
-          <p:cNvPr id="4" name="Header Placeholder 3"/>
-          <p:cNvSpPr>
-            <a:spLocks noGrp="1"/>
-          </p:cNvSpPr>
-          <p:nvPr>
-            <p:ph type="hdr" sz="quarter" idx="10"/>
-          </p:nvPr>
-        </p:nvSpPr>
-        <p:spPr>
-          <a:xfrm>
-            <a:off x="0" y="0"/>
-            <a:ext cx="2971800" cy="457200"/>
-          </a:xfrm>
-          <a:prstGeom prst="rect">
-            <a:avLst/>
-          </a:prstGeom>
-        </p:spPr>
-        <p:txBody>
-          <a:bodyPr/>
-          <a:lstStyle/>
-          <a:p>
-            <a:endParaRPr lang="en-US" dirty="0">
-              <a:solidFill>
-                <a:prstClr val="black"/>
-              </a:solidFill>
-            </a:endParaRPr>
-          </a:p>
-        </p:txBody>
-      </p:sp>
-      <p:sp>
-        <p:nvSpPr>
-          <p:cNvPr id="5" name="Date Placeholder 4"/>
-          <p:cNvSpPr>
-            <a:spLocks noGrp="1"/>
-          </p:cNvSpPr>
-          <p:nvPr>
-            <p:ph type="dt" idx="11"/>
-          </p:nvPr>
-        </p:nvSpPr>
-        <p:spPr/>
-        <p:txBody>
-          <a:bodyPr/>
-          <a:lstStyle/>
-          <a:p>
-            <a:fld id="{8A17D118-1690-458F-B4D2-F9DA5D6F5033}" type="datetime8">
-              <a:rPr lang="en-US" smtClean="0">
-                <a:solidFill>
-                  <a:prstClr val="black"/>
-                </a:solidFill>
-              </a:rPr>
-              <a:t>10/11/2015 11:26 AM</a:t>
-            </a:fld>
-            <a:endParaRPr lang="en-US" dirty="0">
-              <a:solidFill>
-                <a:prstClr val="black"/>
-              </a:solidFill>
-            </a:endParaRPr>
-          </a:p>
-        </p:txBody>
-      </p:sp>
-      <p:sp>
-        <p:nvSpPr>
-          <p:cNvPr id="7" name="Slide Number Placeholder 6"/>
-          <p:cNvSpPr>
-            <a:spLocks noGrp="1"/>
-          </p:cNvSpPr>
-          <p:nvPr>
-            <p:ph type="sldNum" sz="quarter" idx="13"/>
-          </p:nvPr>
-        </p:nvSpPr>
-        <p:spPr/>
-        <p:txBody>
-          <a:bodyPr/>
-          <a:lstStyle/>
-          <a:p>
-            <a:fld id="{EC87E0CF-87F6-4B58-B8B8-DCAB2DAAF3CA}" type="slidenum">
-              <a:rPr lang="en-US" smtClean="0">
-                <a:solidFill>
-                  <a:prstClr val="black"/>
-                </a:solidFill>
-              </a:rPr>
-              <a:pPr/>
-              <a:t>11</a:t>
-            </a:fld>
-            <a:endParaRPr lang="en-US" dirty="0">
-              <a:solidFill>
-                <a:prstClr val="black"/>
-              </a:solidFill>
-            </a:endParaRPr>
-          </a:p>
-        </p:txBody>
-      </p:sp>
-      <p:sp>
-        <p:nvSpPr>
-          <p:cNvPr id="6" name="Footer Placeholder 5"/>
-          <p:cNvSpPr>
-            <a:spLocks noGrp="1"/>
-          </p:cNvSpPr>
-          <p:nvPr>
-            <p:ph type="ftr" sz="quarter" idx="14"/>
-          </p:nvPr>
-        </p:nvSpPr>
-        <p:spPr/>
-        <p:txBody>
-          <a:bodyPr/>
-          <a:lstStyle/>
-          <a:p>
-            <a:pPr defTabSz="914099" eaLnBrk="0" hangingPunct="0"/>
-            <a:r>
-              <a:rPr lang="en-US" sz="400" dirty="0" smtClean="0">
-                <a:gradFill>
-                  <a:gsLst>
-                    <a:gs pos="0">
-                      <a:prstClr val="black"/>
-                    </a:gs>
-                    <a:gs pos="100000">
-                      <a:prstClr val="black"/>
-                    </a:gs>
-                  </a:gsLst>
-                  <a:lin ang="5400000" scaled="0"/>
-                </a:gradFill>
-                <a:latin typeface="Segoe UI" pitchFamily="34" charset="0"/>
-                <a:ea typeface="Segoe UI" pitchFamily="34" charset="0"/>
-                <a:cs typeface="Segoe UI" pitchFamily="34" charset="0"/>
-              </a:rPr>
-              <a:t>© 2014 Microsoft Corporation. All rights reserved. MICROSOFT MAKES NO WARRANTIES, EXPRESS, IMPLIED OR STATUTORY, AS TO THE INFORMATION IN THIS PRESENTATION.</a:t>
-            </a:r>
-          </a:p>
-        </p:txBody>
-      </p:sp>
-    </p:spTree>
-    <p:extLst>
-      <p:ext uri="{BB962C8B-B14F-4D97-AF65-F5344CB8AC3E}">
-        <p14:creationId xmlns:p14="http://schemas.microsoft.com/office/powerpoint/2010/main" val="2573685909"/>
       </p:ext>
     </p:extLst>
   </p:cSld>
@@ -1647,7 +1445,7 @@
                 </a:solidFill>
               </a:rPr>
               <a:pPr/>
-              <a:t>10/11/2015</a:t>
+              <a:t>10/21/2015</a:t>
             </a:fld>
             <a:endParaRPr lang="en-US" dirty="0">
               <a:solidFill>
@@ -1879,7 +1677,7 @@
                 </a:solidFill>
               </a:rPr>
               <a:pPr/>
-              <a:t>10/11/2015</a:t>
+              <a:t>10/21/2015</a:t>
             </a:fld>
             <a:endParaRPr lang="en-US" dirty="0">
               <a:solidFill>
@@ -2120,7 +1918,7 @@
                 </a:solidFill>
               </a:rPr>
               <a:pPr/>
-              <a:t>10/11/2015</a:t>
+              <a:t>10/21/2015</a:t>
             </a:fld>
             <a:endParaRPr lang="en-US" dirty="0">
               <a:solidFill>
@@ -2202,7 +2000,12 @@
             <p:ph type="sldImg"/>
           </p:nvPr>
         </p:nvSpPr>
-        <p:spPr/>
+        <p:spPr>
+          <a:xfrm>
+            <a:off x="381000" y="685800"/>
+            <a:ext cx="6096000" cy="3429000"/>
+          </a:xfrm>
+        </p:spPr>
       </p:sp>
       <p:sp>
         <p:nvSpPr>
@@ -2216,91 +2019,9 @@
         </p:nvSpPr>
         <p:spPr/>
         <p:txBody>
-          <a:bodyPr/>
-          <a:lstStyle/>
-          <a:p>
-            <a:endParaRPr lang="en-US" dirty="0"/>
-          </a:p>
-        </p:txBody>
-      </p:sp>
-      <p:sp>
-        <p:nvSpPr>
-          <p:cNvPr id="4" name="Slide Number Placeholder 3"/>
-          <p:cNvSpPr>
-            <a:spLocks noGrp="1"/>
-          </p:cNvSpPr>
-          <p:nvPr>
-            <p:ph type="sldNum" sz="quarter" idx="10"/>
-          </p:nvPr>
-        </p:nvSpPr>
-        <p:spPr/>
-        <p:txBody>
-          <a:bodyPr/>
-          <a:lstStyle/>
-          <a:p>
-            <a:fld id="{E496F374-C154-4C0D-B7C4-3D6D7BC84FDD}" type="slidenum">
-              <a:rPr lang="en-US" smtClean="0"/>
-              <a:t>8</a:t>
-            </a:fld>
-            <a:endParaRPr lang="en-US"/>
-          </a:p>
-        </p:txBody>
-      </p:sp>
-    </p:spTree>
-    <p:extLst>
-      <p:ext uri="{BB962C8B-B14F-4D97-AF65-F5344CB8AC3E}">
-        <p14:creationId xmlns:p14="http://schemas.microsoft.com/office/powerpoint/2010/main" val="3581736891"/>
-      </p:ext>
-    </p:extLst>
-  </p:cSld>
-  <p:clrMapOvr>
-    <a:masterClrMapping/>
-  </p:clrMapOvr>
-</p:notes>
-</file>
-
-<file path=ppt/notesSlides/notesSlide8.xml><?xml version="1.0" encoding="utf-8"?>
-<p:notes xmlns:a="http://schemas.openxmlformats.org/drawingml/2006/main" xmlns:r="http://schemas.openxmlformats.org/officeDocument/2006/relationships" xmlns:p="http://schemas.openxmlformats.org/presentationml/2006/main">
-  <p:cSld>
-    <p:spTree>
-      <p:nvGrpSpPr>
-        <p:cNvPr id="1" name=""/>
-        <p:cNvGrpSpPr/>
-        <p:nvPr/>
-      </p:nvGrpSpPr>
-      <p:grpSpPr>
-        <a:xfrm>
-          <a:off x="0" y="0"/>
-          <a:ext cx="0" cy="0"/>
-          <a:chOff x="0" y="0"/>
-          <a:chExt cx="0" cy="0"/>
-        </a:xfrm>
-      </p:grpSpPr>
-      <p:sp>
-        <p:nvSpPr>
-          <p:cNvPr id="2" name="Slide Image Placeholder 1"/>
-          <p:cNvSpPr>
-            <a:spLocks noGrp="1" noRot="1" noChangeAspect="1"/>
-          </p:cNvSpPr>
-          <p:nvPr>
-            <p:ph type="sldImg"/>
-          </p:nvPr>
-        </p:nvSpPr>
-        <p:spPr/>
-      </p:sp>
-      <p:sp>
-        <p:nvSpPr>
-          <p:cNvPr id="3" name="Notes Placeholder 2"/>
-          <p:cNvSpPr>
-            <a:spLocks noGrp="1"/>
-          </p:cNvSpPr>
-          <p:nvPr>
-            <p:ph type="body" idx="1"/>
-          </p:nvPr>
-        </p:nvSpPr>
-        <p:spPr/>
-        <p:txBody>
-          <a:bodyPr/>
+          <a:bodyPr>
+            <a:normAutofit/>
+          </a:bodyPr>
           <a:lstStyle/>
           <a:p>
             <a:endParaRPr lang="en-US" dirty="0"/>
@@ -2317,27 +2038,35 @@
             <p:ph type="hdr" sz="quarter" idx="10"/>
           </p:nvPr>
         </p:nvSpPr>
-        <p:spPr/>
+        <p:spPr>
+          <a:xfrm>
+            <a:off x="0" y="0"/>
+            <a:ext cx="2971800" cy="457200"/>
+          </a:xfrm>
+          <a:prstGeom prst="rect">
+            <a:avLst/>
+          </a:prstGeom>
+        </p:spPr>
         <p:txBody>
           <a:bodyPr/>
           <a:lstStyle/>
           <a:p>
-            <a:r>
-              <a:rPr lang="en-US" smtClean="0"/>
-              <a:t>Microsoft Ignite 2015</a:t>
-            </a:r>
-            <a:endParaRPr lang="en-US" dirty="0" smtClean="0"/>
+            <a:endParaRPr lang="en-US" dirty="0">
+              <a:solidFill>
+                <a:prstClr val="black"/>
+              </a:solidFill>
+            </a:endParaRPr>
           </a:p>
         </p:txBody>
       </p:sp>
       <p:sp>
         <p:nvSpPr>
-          <p:cNvPr id="5" name="Footer Placeholder 4"/>
+          <p:cNvPr id="5" name="Date Placeholder 4"/>
           <p:cNvSpPr>
             <a:spLocks noGrp="1"/>
           </p:cNvSpPr>
           <p:nvPr>
-            <p:ph type="ftr" sz="quarter" idx="11"/>
+            <p:ph type="dt" idx="11"/>
           </p:nvPr>
         </p:nvSpPr>
         <p:spPr/>
@@ -2345,65 +2074,19 @@
           <a:bodyPr/>
           <a:lstStyle/>
           <a:p>
-            <a:pPr defTabSz="914099" eaLnBrk="0" hangingPunct="0"/>
-            <a:r>
-              <a:rPr lang="en-US" sz="400" smtClean="0">
-                <a:gradFill>
-                  <a:gsLst>
-                    <a:gs pos="0">
-                      <a:prstClr val="black"/>
-                    </a:gs>
-                    <a:gs pos="100000">
-                      <a:prstClr val="black"/>
-                    </a:gs>
-                  </a:gsLst>
-                  <a:lin ang="5400000" scaled="0"/>
-                </a:gradFill>
-                <a:latin typeface="Segoe UI" pitchFamily="34" charset="0"/>
-                <a:ea typeface="Segoe UI" pitchFamily="34" charset="0"/>
-                <a:cs typeface="Segoe UI" pitchFamily="34" charset="0"/>
+            <a:fld id="{8A17D118-1690-458F-B4D2-F9DA5D6F5033}" type="datetime8">
+              <a:rPr lang="en-US" smtClean="0">
+                <a:solidFill>
+                  <a:prstClr val="black"/>
+                </a:solidFill>
               </a:rPr>
-              <a:t>© 2015 Microsoft Corporation. All rights reserved. MICROSOFT MAKES NO WARRANTIES, EXPRESS, IMPLIED OR STATUTORY, AS TO THE INFORMATION IN THIS PRESENTATION.</a:t>
-            </a:r>
-            <a:endParaRPr lang="en-US" sz="400" dirty="0" smtClean="0">
-              <a:gradFill>
-                <a:gsLst>
-                  <a:gs pos="0">
-                    <a:prstClr val="black"/>
-                  </a:gs>
-                  <a:gs pos="100000">
-                    <a:prstClr val="black"/>
-                  </a:gs>
-                </a:gsLst>
-                <a:lin ang="5400000" scaled="0"/>
-              </a:gradFill>
-              <a:latin typeface="Segoe UI" pitchFamily="34" charset="0"/>
-              <a:ea typeface="Segoe UI" pitchFamily="34" charset="0"/>
-              <a:cs typeface="Segoe UI" pitchFamily="34" charset="0"/>
+              <a:t>10/21/2015 2:51 PM</a:t>
+            </a:fld>
+            <a:endParaRPr lang="en-US" dirty="0">
+              <a:solidFill>
+                <a:prstClr val="black"/>
+              </a:solidFill>
             </a:endParaRPr>
-          </a:p>
-        </p:txBody>
-      </p:sp>
-      <p:sp>
-        <p:nvSpPr>
-          <p:cNvPr id="6" name="Date Placeholder 5"/>
-          <p:cNvSpPr>
-            <a:spLocks noGrp="1"/>
-          </p:cNvSpPr>
-          <p:nvPr>
-            <p:ph type="dt" idx="12"/>
-          </p:nvPr>
-        </p:nvSpPr>
-        <p:spPr/>
-        <p:txBody>
-          <a:bodyPr/>
-          <a:lstStyle/>
-          <a:p>
-            <a:fld id="{38EEC551-8CDA-4EB6-89BB-2A86C9F091C8}" type="datetime8">
-              <a:rPr lang="en-US" smtClean="0"/>
-              <a:t>10/11/2015 11:36 AM</a:t>
-            </a:fld>
-            <a:endParaRPr lang="en-US" dirty="0"/>
           </a:p>
         </p:txBody>
       </p:sp>
@@ -2422,107 +2105,31 @@
           <a:bodyPr/>
           <a:lstStyle/>
           <a:p>
-            <a:fld id="{B4008EB6-D09E-4580-8CD6-DDB14511944F}" type="slidenum">
-              <a:rPr lang="en-US" smtClean="0"/>
+            <a:fld id="{EC87E0CF-87F6-4B58-B8B8-DCAB2DAAF3CA}" type="slidenum">
+              <a:rPr lang="en-US" smtClean="0">
+                <a:solidFill>
+                  <a:prstClr val="black"/>
+                </a:solidFill>
+              </a:rPr>
               <a:pPr/>
-              <a:t>9</a:t>
+              <a:t>8</a:t>
             </a:fld>
-            <a:endParaRPr lang="en-US" dirty="0"/>
-          </a:p>
-        </p:txBody>
-      </p:sp>
-    </p:spTree>
-    <p:extLst>
-      <p:ext uri="{BB962C8B-B14F-4D97-AF65-F5344CB8AC3E}">
-        <p14:creationId xmlns:p14="http://schemas.microsoft.com/office/powerpoint/2010/main" val="2096124547"/>
-      </p:ext>
-    </p:extLst>
-  </p:cSld>
-  <p:clrMapOvr>
-    <a:masterClrMapping/>
-  </p:clrMapOvr>
-</p:notes>
-</file>
-
-<file path=ppt/notesSlides/notesSlide9.xml><?xml version="1.0" encoding="utf-8"?>
-<p:notes xmlns:a="http://schemas.openxmlformats.org/drawingml/2006/main" xmlns:r="http://schemas.openxmlformats.org/officeDocument/2006/relationships" xmlns:p="http://schemas.openxmlformats.org/presentationml/2006/main">
-  <p:cSld>
-    <p:spTree>
-      <p:nvGrpSpPr>
-        <p:cNvPr id="1" name=""/>
-        <p:cNvGrpSpPr/>
-        <p:nvPr/>
-      </p:nvGrpSpPr>
-      <p:grpSpPr>
-        <a:xfrm>
-          <a:off x="0" y="0"/>
-          <a:ext cx="0" cy="0"/>
-          <a:chOff x="0" y="0"/>
-          <a:chExt cx="0" cy="0"/>
-        </a:xfrm>
-      </p:grpSpPr>
-      <p:sp>
-        <p:nvSpPr>
-          <p:cNvPr id="2" name="Slide Image Placeholder 1"/>
-          <p:cNvSpPr>
-            <a:spLocks noGrp="1" noRot="1" noChangeAspect="1"/>
-          </p:cNvSpPr>
-          <p:nvPr>
-            <p:ph type="sldImg"/>
-          </p:nvPr>
-        </p:nvSpPr>
-        <p:spPr/>
-      </p:sp>
-      <p:sp>
-        <p:nvSpPr>
-          <p:cNvPr id="3" name="Notes Placeholder 2"/>
-          <p:cNvSpPr>
-            <a:spLocks noGrp="1"/>
-          </p:cNvSpPr>
-          <p:nvPr>
-            <p:ph type="body" idx="1"/>
-          </p:nvPr>
-        </p:nvSpPr>
-        <p:spPr/>
-        <p:txBody>
-          <a:bodyPr/>
-          <a:lstStyle/>
-          <a:p>
-            <a:endParaRPr lang="en-US" dirty="0"/>
+            <a:endParaRPr lang="en-US" dirty="0">
+              <a:solidFill>
+                <a:prstClr val="black"/>
+              </a:solidFill>
+            </a:endParaRPr>
           </a:p>
         </p:txBody>
       </p:sp>
       <p:sp>
         <p:nvSpPr>
-          <p:cNvPr id="4" name="Header Placeholder 3"/>
+          <p:cNvPr id="6" name="Footer Placeholder 5"/>
           <p:cNvSpPr>
             <a:spLocks noGrp="1"/>
           </p:cNvSpPr>
           <p:nvPr>
-            <p:ph type="hdr" sz="quarter" idx="10"/>
-          </p:nvPr>
-        </p:nvSpPr>
-        <p:spPr/>
-        <p:txBody>
-          <a:bodyPr/>
-          <a:lstStyle/>
-          <a:p>
-            <a:r>
-              <a:rPr lang="en-US" smtClean="0"/>
-              <a:t>Microsoft Ignite 2015</a:t>
-            </a:r>
-            <a:endParaRPr lang="en-US" dirty="0" smtClean="0"/>
-          </a:p>
-        </p:txBody>
-      </p:sp>
-      <p:sp>
-        <p:nvSpPr>
-          <p:cNvPr id="5" name="Footer Placeholder 4"/>
-          <p:cNvSpPr>
-            <a:spLocks noGrp="1"/>
-          </p:cNvSpPr>
-          <p:nvPr>
-            <p:ph type="ftr" sz="quarter" idx="11"/>
+            <p:ph type="ftr" sz="quarter" idx="14"/>
           </p:nvPr>
         </p:nvSpPr>
         <p:spPr/>
@@ -2532,7 +2139,7 @@
           <a:p>
             <a:pPr defTabSz="914099" eaLnBrk="0" hangingPunct="0"/>
             <a:r>
-              <a:rPr lang="en-US" sz="400" smtClean="0">
+              <a:rPr lang="en-US" sz="400" dirty="0" smtClean="0">
                 <a:gradFill>
                   <a:gsLst>
                     <a:gs pos="0">
@@ -2548,78 +2155,15 @@
                 <a:ea typeface="Segoe UI" pitchFamily="34" charset="0"/>
                 <a:cs typeface="Segoe UI" pitchFamily="34" charset="0"/>
               </a:rPr>
-              <a:t>© 2015 Microsoft Corporation. All rights reserved. MICROSOFT MAKES NO WARRANTIES, EXPRESS, IMPLIED OR STATUTORY, AS TO THE INFORMATION IN THIS PRESENTATION.</a:t>
+              <a:t>© 2014 Microsoft Corporation. All rights reserved. MICROSOFT MAKES NO WARRANTIES, EXPRESS, IMPLIED OR STATUTORY, AS TO THE INFORMATION IN THIS PRESENTATION.</a:t>
             </a:r>
-            <a:endParaRPr lang="en-US" sz="400" dirty="0" smtClean="0">
-              <a:gradFill>
-                <a:gsLst>
-                  <a:gs pos="0">
-                    <a:prstClr val="black"/>
-                  </a:gs>
-                  <a:gs pos="100000">
-                    <a:prstClr val="black"/>
-                  </a:gs>
-                </a:gsLst>
-                <a:lin ang="5400000" scaled="0"/>
-              </a:gradFill>
-              <a:latin typeface="Segoe UI" pitchFamily="34" charset="0"/>
-              <a:ea typeface="Segoe UI" pitchFamily="34" charset="0"/>
-              <a:cs typeface="Segoe UI" pitchFamily="34" charset="0"/>
-            </a:endParaRPr>
-          </a:p>
-        </p:txBody>
-      </p:sp>
-      <p:sp>
-        <p:nvSpPr>
-          <p:cNvPr id="6" name="Date Placeholder 5"/>
-          <p:cNvSpPr>
-            <a:spLocks noGrp="1"/>
-          </p:cNvSpPr>
-          <p:nvPr>
-            <p:ph type="dt" idx="12"/>
-          </p:nvPr>
-        </p:nvSpPr>
-        <p:spPr/>
-        <p:txBody>
-          <a:bodyPr/>
-          <a:lstStyle/>
-          <a:p>
-            <a:fld id="{38EEC551-8CDA-4EB6-89BB-2A86C9F091C8}" type="datetime8">
-              <a:rPr lang="en-US" smtClean="0"/>
-              <a:t>10/11/2015 11:37 AM</a:t>
-            </a:fld>
-            <a:endParaRPr lang="en-US" dirty="0"/>
-          </a:p>
-        </p:txBody>
-      </p:sp>
-      <p:sp>
-        <p:nvSpPr>
-          <p:cNvPr id="7" name="Slide Number Placeholder 6"/>
-          <p:cNvSpPr>
-            <a:spLocks noGrp="1"/>
-          </p:cNvSpPr>
-          <p:nvPr>
-            <p:ph type="sldNum" sz="quarter" idx="13"/>
-          </p:nvPr>
-        </p:nvSpPr>
-        <p:spPr/>
-        <p:txBody>
-          <a:bodyPr/>
-          <a:lstStyle/>
-          <a:p>
-            <a:fld id="{B4008EB6-D09E-4580-8CD6-DDB14511944F}" type="slidenum">
-              <a:rPr lang="en-US" smtClean="0"/>
-              <a:pPr/>
-              <a:t>10</a:t>
-            </a:fld>
-            <a:endParaRPr lang="en-US" dirty="0"/>
           </a:p>
         </p:txBody>
       </p:sp>
     </p:spTree>
     <p:extLst>
       <p:ext uri="{BB962C8B-B14F-4D97-AF65-F5344CB8AC3E}">
-        <p14:creationId xmlns:p14="http://schemas.microsoft.com/office/powerpoint/2010/main" val="4146332942"/>
+        <p14:creationId xmlns:p14="http://schemas.microsoft.com/office/powerpoint/2010/main" val="2573685909"/>
       </p:ext>
     </p:extLst>
   </p:cSld>
@@ -2783,14 +2327,14 @@
           </a:ln>
           <a:extLst>
             <a:ext uri="{909E8E84-426E-40dd-AFC4-6F175D3DCCD1}">
-              <a14:hiddenFill xmlns="" xmlns:a14="http://schemas.microsoft.com/office/drawing/2010/main">
+              <a14:hiddenFill xmlns:a14="http://schemas.microsoft.com/office/drawing/2010/main" xmlns="">
                 <a:solidFill>
                   <a:srgbClr val="FFFFFF"/>
                 </a:solidFill>
               </a14:hiddenFill>
             </a:ext>
             <a:ext uri="{91240B29-F687-4f45-9708-019B960494DF}">
-              <a14:hiddenLine xmlns="" xmlns:a14="http://schemas.microsoft.com/office/drawing/2010/main" w="9525">
+              <a14:hiddenLine xmlns:a14="http://schemas.microsoft.com/office/drawing/2010/main" xmlns="" w="9525">
                 <a:solidFill>
                   <a:srgbClr val="000000"/>
                 </a:solidFill>
@@ -4183,14 +3727,14 @@
           </a:ln>
           <a:extLst>
             <a:ext uri="{909E8E84-426E-40dd-AFC4-6F175D3DCCD1}">
-              <a14:hiddenFill xmlns="" xmlns:a14="http://schemas.microsoft.com/office/drawing/2010/main">
+              <a14:hiddenFill xmlns:a14="http://schemas.microsoft.com/office/drawing/2010/main" xmlns="">
                 <a:solidFill>
                   <a:srgbClr val="FFFFFF"/>
                 </a:solidFill>
               </a14:hiddenFill>
             </a:ext>
             <a:ext uri="{91240B29-F687-4f45-9708-019B960494DF}">
-              <a14:hiddenLine xmlns="" xmlns:a14="http://schemas.microsoft.com/office/drawing/2010/main" w="9525">
+              <a14:hiddenLine xmlns:a14="http://schemas.microsoft.com/office/drawing/2010/main" xmlns="" w="9525">
                 <a:solidFill>
                   <a:srgbClr val="000000"/>
                 </a:solidFill>
@@ -4200,7 +3744,7 @@
               </a14:hiddenLine>
             </a:ext>
             <a:ext uri="{FAA26D3D-D897-4be2-8F04-BA451C77F1D7}">
-              <ma14:placeholderFlag xmlns="" xmlns:ma14="http://schemas.microsoft.com/office/mac/drawingml/2011/main" val="1"/>
+              <ma14:placeholderFlag xmlns:ma14="http://schemas.microsoft.com/office/mac/drawingml/2011/main" xmlns="" val="1"/>
             </a:ext>
           </a:extLst>
         </p:spPr>
@@ -5049,14 +4593,14 @@
           </a:ln>
           <a:extLst>
             <a:ext uri="{909E8E84-426E-40dd-AFC4-6F175D3DCCD1}">
-              <a14:hiddenFill xmlns="" xmlns:a14="http://schemas.microsoft.com/office/drawing/2010/main">
+              <a14:hiddenFill xmlns:a14="http://schemas.microsoft.com/office/drawing/2010/main" xmlns="">
                 <a:solidFill>
                   <a:srgbClr val="FFFFFF"/>
                 </a:solidFill>
               </a14:hiddenFill>
             </a:ext>
             <a:ext uri="{91240B29-F687-4f45-9708-019B960494DF}">
-              <a14:hiddenLine xmlns="" xmlns:a14="http://schemas.microsoft.com/office/drawing/2010/main" w="9525">
+              <a14:hiddenLine xmlns:a14="http://schemas.microsoft.com/office/drawing/2010/main" xmlns="" w="9525">
                 <a:solidFill>
                   <a:srgbClr val="000000"/>
                 </a:solidFill>
@@ -5706,1444 +5250,6 @@
   <p:transition>
     <p:fade/>
   </p:transition>
-  <p:timing>
-    <p:tnLst>
-      <p:par>
-        <p:cTn id="1" dur="indefinite" restart="never" nodeType="tmRoot"/>
-      </p:par>
-    </p:tnLst>
-  </p:timing>
-</p:sld>
-</file>
-
-<file path=ppt/slides/slide10.xml><?xml version="1.0" encoding="utf-8"?>
-<p:sld xmlns:a="http://schemas.openxmlformats.org/drawingml/2006/main" xmlns:r="http://schemas.openxmlformats.org/officeDocument/2006/relationships" xmlns:p="http://schemas.openxmlformats.org/presentationml/2006/main">
-  <p:cSld>
-    <p:spTree>
-      <p:nvGrpSpPr>
-        <p:cNvPr id="1" name=""/>
-        <p:cNvGrpSpPr/>
-        <p:nvPr/>
-      </p:nvGrpSpPr>
-      <p:grpSpPr>
-        <a:xfrm>
-          <a:off x="0" y="0"/>
-          <a:ext cx="0" cy="0"/>
-          <a:chOff x="0" y="0"/>
-          <a:chExt cx="0" cy="0"/>
-        </a:xfrm>
-      </p:grpSpPr>
-      <p:sp>
-        <p:nvSpPr>
-          <p:cNvPr id="24" name="Rectangle 23"/>
-          <p:cNvSpPr/>
-          <p:nvPr/>
-        </p:nvSpPr>
-        <p:spPr bwMode="auto">
-          <a:xfrm>
-            <a:off x="6474748" y="3898839"/>
-            <a:ext cx="5201977" cy="2934356"/>
-          </a:xfrm>
-          <a:prstGeom prst="rect">
-            <a:avLst/>
-          </a:prstGeom>
-          <a:solidFill>
-            <a:schemeClr val="accent4"/>
-          </a:solidFill>
-          <a:ln>
-            <a:noFill/>
-            <a:headEnd type="none" w="med" len="med"/>
-            <a:tailEnd type="none" w="med" len="med"/>
-          </a:ln>
-        </p:spPr>
-        <p:style>
-          <a:lnRef idx="2">
-            <a:schemeClr val="accent1">
-              <a:shade val="50000"/>
-            </a:schemeClr>
-          </a:lnRef>
-          <a:fillRef idx="1">
-            <a:schemeClr val="accent1"/>
-          </a:fillRef>
-          <a:effectRef idx="0">
-            <a:schemeClr val="accent1"/>
-          </a:effectRef>
-          <a:fontRef idx="minor">
-            <a:schemeClr val="lt1"/>
-          </a:fontRef>
-        </p:style>
-        <p:txBody>
-          <a:bodyPr vert="horz" wrap="square" lIns="0" tIns="46637" rIns="0" bIns="46637" numCol="1" rtlCol="0" anchor="ctr" anchorCtr="0" compatLnSpc="1">
-            <a:prstTxWarp prst="textNoShape">
-              <a:avLst/>
-            </a:prstTxWarp>
-          </a:bodyPr>
-          <a:lstStyle/>
-          <a:p>
-            <a:pPr algn="ctr" defTabSz="932398" fontAlgn="base">
-              <a:spcBef>
-                <a:spcPct val="0"/>
-              </a:spcBef>
-              <a:spcAft>
-                <a:spcPct val="0"/>
-              </a:spcAft>
-            </a:pPr>
-            <a:endParaRPr lang="en-US" sz="3600" dirty="0">
-              <a:gradFill>
-                <a:gsLst>
-                  <a:gs pos="16814">
-                    <a:srgbClr val="FFFFFF"/>
-                  </a:gs>
-                  <a:gs pos="46000">
-                    <a:srgbClr val="FFFFFF"/>
-                  </a:gs>
-                </a:gsLst>
-                <a:lin ang="5400000" scaled="0"/>
-              </a:gradFill>
-            </a:endParaRPr>
-          </a:p>
-        </p:txBody>
-      </p:sp>
-      <p:sp>
-        <p:nvSpPr>
-          <p:cNvPr id="5" name="Cloud 4"/>
-          <p:cNvSpPr/>
-          <p:nvPr/>
-        </p:nvSpPr>
-        <p:spPr bwMode="auto">
-          <a:xfrm>
-            <a:off x="427037" y="1135062"/>
-            <a:ext cx="5881595" cy="4495800"/>
-          </a:xfrm>
-          <a:prstGeom prst="cloud">
-            <a:avLst/>
-          </a:prstGeom>
-          <a:solidFill>
-            <a:srgbClr val="00BCF2"/>
-          </a:solidFill>
-          <a:ln>
-            <a:noFill/>
-            <a:headEnd type="none" w="med" len="med"/>
-            <a:tailEnd type="none" w="med" len="med"/>
-          </a:ln>
-        </p:spPr>
-        <p:style>
-          <a:lnRef idx="2">
-            <a:schemeClr val="accent1">
-              <a:shade val="50000"/>
-            </a:schemeClr>
-          </a:lnRef>
-          <a:fillRef idx="1">
-            <a:schemeClr val="accent1"/>
-          </a:fillRef>
-          <a:effectRef idx="0">
-            <a:schemeClr val="accent1"/>
-          </a:effectRef>
-          <a:fontRef idx="minor">
-            <a:schemeClr val="lt1"/>
-          </a:fontRef>
-        </p:style>
-        <p:txBody>
-          <a:bodyPr vert="horz" wrap="square" lIns="0" tIns="46637" rIns="0" bIns="46637" numCol="1" rtlCol="0" anchor="ctr" anchorCtr="0" compatLnSpc="1">
-            <a:prstTxWarp prst="textNoShape">
-              <a:avLst/>
-            </a:prstTxWarp>
-          </a:bodyPr>
-          <a:lstStyle/>
-          <a:p>
-            <a:pPr algn="ctr" defTabSz="932398" fontAlgn="base">
-              <a:spcBef>
-                <a:spcPct val="0"/>
-              </a:spcBef>
-              <a:spcAft>
-                <a:spcPct val="0"/>
-              </a:spcAft>
-            </a:pPr>
-            <a:endParaRPr lang="en-US" sz="3200" b="1" dirty="0">
-              <a:gradFill>
-                <a:gsLst>
-                  <a:gs pos="16814">
-                    <a:srgbClr val="FFFFFF"/>
-                  </a:gs>
-                  <a:gs pos="46000">
-                    <a:srgbClr val="FFFFFF"/>
-                  </a:gs>
-                </a:gsLst>
-                <a:lin ang="5400000" scaled="0"/>
-              </a:gradFill>
-            </a:endParaRPr>
-          </a:p>
-        </p:txBody>
-      </p:sp>
-      <p:sp>
-        <p:nvSpPr>
-          <p:cNvPr id="3" name="Title 2"/>
-          <p:cNvSpPr>
-            <a:spLocks noGrp="1"/>
-          </p:cNvSpPr>
-          <p:nvPr>
-            <p:ph type="title"/>
-          </p:nvPr>
-        </p:nvSpPr>
-        <p:spPr/>
-        <p:txBody>
-          <a:bodyPr/>
-          <a:lstStyle/>
-          <a:p>
-            <a:r>
-              <a:rPr lang="en-US" smtClean="0"/>
-              <a:t>Integrate on-prem and cloud </a:t>
-            </a:r>
-            <a:endParaRPr lang="en-US" dirty="0"/>
-          </a:p>
-        </p:txBody>
-      </p:sp>
-      <p:sp>
-        <p:nvSpPr>
-          <p:cNvPr id="7" name="Cloud 6"/>
-          <p:cNvSpPr/>
-          <p:nvPr/>
-        </p:nvSpPr>
-        <p:spPr bwMode="auto">
-          <a:xfrm>
-            <a:off x="9063955" y="1058862"/>
-            <a:ext cx="3100247" cy="1666490"/>
-          </a:xfrm>
-          <a:prstGeom prst="cloud">
-            <a:avLst/>
-          </a:prstGeom>
-          <a:solidFill>
-            <a:srgbClr val="00BCF2"/>
-          </a:solidFill>
-          <a:ln>
-            <a:noFill/>
-            <a:headEnd type="none" w="med" len="med"/>
-            <a:tailEnd type="none" w="med" len="med"/>
-          </a:ln>
-        </p:spPr>
-        <p:style>
-          <a:lnRef idx="2">
-            <a:schemeClr val="accent1">
-              <a:shade val="50000"/>
-            </a:schemeClr>
-          </a:lnRef>
-          <a:fillRef idx="1">
-            <a:schemeClr val="accent1"/>
-          </a:fillRef>
-          <a:effectRef idx="0">
-            <a:schemeClr val="accent1"/>
-          </a:effectRef>
-          <a:fontRef idx="minor">
-            <a:schemeClr val="lt1"/>
-          </a:fontRef>
-        </p:style>
-        <p:txBody>
-          <a:bodyPr vert="horz" wrap="square" lIns="0" tIns="46637" rIns="0" bIns="46637" numCol="1" rtlCol="0" anchor="ctr" anchorCtr="0" compatLnSpc="1">
-            <a:prstTxWarp prst="textNoShape">
-              <a:avLst/>
-            </a:prstTxWarp>
-          </a:bodyPr>
-          <a:lstStyle/>
-          <a:p>
-            <a:pPr algn="ctr" defTabSz="932398" fontAlgn="base">
-              <a:spcBef>
-                <a:spcPct val="0"/>
-              </a:spcBef>
-              <a:spcAft>
-                <a:spcPct val="0"/>
-              </a:spcAft>
-            </a:pPr>
-            <a:endParaRPr lang="en-US" sz="3200" b="1" dirty="0">
-              <a:gradFill>
-                <a:gsLst>
-                  <a:gs pos="16814">
-                    <a:srgbClr val="FFFFFF"/>
-                  </a:gs>
-                  <a:gs pos="46000">
-                    <a:srgbClr val="FFFFFF"/>
-                  </a:gs>
-                </a:gsLst>
-                <a:lin ang="5400000" scaled="0"/>
-              </a:gradFill>
-            </a:endParaRPr>
-          </a:p>
-          <a:p>
-            <a:pPr defTabSz="932398" fontAlgn="base">
-              <a:spcBef>
-                <a:spcPct val="0"/>
-              </a:spcBef>
-              <a:spcAft>
-                <a:spcPct val="0"/>
-              </a:spcAft>
-            </a:pPr>
-            <a:r>
-              <a:rPr lang="en-US" sz="2200" b="1" dirty="0" smtClean="0">
-                <a:gradFill>
-                  <a:gsLst>
-                    <a:gs pos="16814">
-                      <a:srgbClr val="FFFFFF"/>
-                    </a:gs>
-                    <a:gs pos="46000">
-                      <a:srgbClr val="FFFFFF"/>
-                    </a:gs>
-                  </a:gsLst>
-                  <a:lin ang="5400000" scaled="0"/>
-                </a:gradFill>
-              </a:rPr>
-              <a:t>Source Control</a:t>
-            </a:r>
-          </a:p>
-          <a:p>
-            <a:pPr defTabSz="932398" fontAlgn="base">
-              <a:spcBef>
-                <a:spcPct val="0"/>
-              </a:spcBef>
-              <a:spcAft>
-                <a:spcPct val="0"/>
-              </a:spcAft>
-            </a:pPr>
-            <a:r>
-              <a:rPr lang="en-US" sz="2000" dirty="0" smtClean="0">
-                <a:gradFill>
-                  <a:gsLst>
-                    <a:gs pos="16814">
-                      <a:srgbClr val="FFFFFF"/>
-                    </a:gs>
-                    <a:gs pos="46000">
-                      <a:srgbClr val="FFFFFF"/>
-                    </a:gs>
-                  </a:gsLst>
-                  <a:lin ang="5400000" scaled="0"/>
-                </a:gradFill>
-              </a:rPr>
-              <a:t>ARM Template</a:t>
-            </a:r>
-          </a:p>
-          <a:p>
-            <a:pPr defTabSz="932398" fontAlgn="base">
-              <a:spcBef>
-                <a:spcPct val="0"/>
-              </a:spcBef>
-              <a:spcAft>
-                <a:spcPct val="0"/>
-              </a:spcAft>
-            </a:pPr>
-            <a:r>
-              <a:rPr lang="en-US" sz="2000" dirty="0" smtClean="0">
-                <a:gradFill>
-                  <a:gsLst>
-                    <a:gs pos="16814">
-                      <a:srgbClr val="FFFFFF"/>
-                    </a:gs>
-                    <a:gs pos="46000">
-                      <a:srgbClr val="FFFFFF"/>
-                    </a:gs>
-                  </a:gsLst>
-                  <a:lin ang="5400000" scaled="0"/>
-                </a:gradFill>
-              </a:rPr>
-              <a:t>Site Content</a:t>
-            </a:r>
-            <a:endParaRPr lang="en-US" sz="2000" dirty="0">
-              <a:gradFill>
-                <a:gsLst>
-                  <a:gs pos="16814">
-                    <a:srgbClr val="FFFFFF"/>
-                  </a:gs>
-                  <a:gs pos="46000">
-                    <a:srgbClr val="FFFFFF"/>
-                  </a:gs>
-                </a:gsLst>
-                <a:lin ang="5400000" scaled="0"/>
-              </a:gradFill>
-            </a:endParaRPr>
-          </a:p>
-          <a:p>
-            <a:pPr defTabSz="932398" fontAlgn="base">
-              <a:spcBef>
-                <a:spcPct val="0"/>
-              </a:spcBef>
-              <a:spcAft>
-                <a:spcPct val="0"/>
-              </a:spcAft>
-            </a:pPr>
-            <a:endParaRPr lang="en-US" sz="2000" dirty="0">
-              <a:gradFill>
-                <a:gsLst>
-                  <a:gs pos="16814">
-                    <a:srgbClr val="FFFFFF"/>
-                  </a:gs>
-                  <a:gs pos="46000">
-                    <a:srgbClr val="FFFFFF"/>
-                  </a:gs>
-                </a:gsLst>
-                <a:lin ang="5400000" scaled="0"/>
-              </a:gradFill>
-            </a:endParaRPr>
-          </a:p>
-        </p:txBody>
-      </p:sp>
-      <p:sp>
-        <p:nvSpPr>
-          <p:cNvPr id="8" name="TextBox 7"/>
-          <p:cNvSpPr txBox="1"/>
-          <p:nvPr/>
-        </p:nvSpPr>
-        <p:spPr>
-          <a:xfrm>
-            <a:off x="2321760" y="1433387"/>
-            <a:ext cx="1905000" cy="794064"/>
-          </a:xfrm>
-          <a:prstGeom prst="rect">
-            <a:avLst/>
-          </a:prstGeom>
-          <a:noFill/>
-        </p:spPr>
-        <p:txBody>
-          <a:bodyPr wrap="square" lIns="182880" tIns="146304" rIns="182880" bIns="146304" rtlCol="0">
-            <a:spAutoFit/>
-          </a:bodyPr>
-          <a:lstStyle/>
-          <a:p>
-            <a:pPr>
-              <a:lnSpc>
-                <a:spcPct val="90000"/>
-              </a:lnSpc>
-              <a:spcAft>
-                <a:spcPts val="600"/>
-              </a:spcAft>
-            </a:pPr>
-            <a:r>
-              <a:rPr lang="en-US" sz="3600" b="1" dirty="0" smtClean="0">
-                <a:gradFill>
-                  <a:gsLst>
-                    <a:gs pos="16814">
-                      <a:srgbClr val="FFFFFF"/>
-                    </a:gs>
-                    <a:gs pos="46000">
-                      <a:srgbClr val="FFFFFF"/>
-                    </a:gs>
-                  </a:gsLst>
-                  <a:lin ang="5400000" scaled="0"/>
-                </a:gradFill>
-              </a:rPr>
-              <a:t>Azure</a:t>
-            </a:r>
-            <a:endParaRPr lang="en-US" sz="3600" b="1" dirty="0">
-              <a:gradFill>
-                <a:gsLst>
-                  <a:gs pos="16814">
-                    <a:srgbClr val="FFFFFF"/>
-                  </a:gs>
-                  <a:gs pos="46000">
-                    <a:srgbClr val="FFFFFF"/>
-                  </a:gs>
-                </a:gsLst>
-                <a:lin ang="5400000" scaled="0"/>
-              </a:gradFill>
-            </a:endParaRPr>
-          </a:p>
-        </p:txBody>
-      </p:sp>
-      <p:sp>
-        <p:nvSpPr>
-          <p:cNvPr id="15" name="Rounded Rectangle 14"/>
-          <p:cNvSpPr/>
-          <p:nvPr/>
-        </p:nvSpPr>
-        <p:spPr bwMode="auto">
-          <a:xfrm>
-            <a:off x="1831973" y="2430462"/>
-            <a:ext cx="3167064" cy="971456"/>
-          </a:xfrm>
-          <a:prstGeom prst="roundRect">
-            <a:avLst/>
-          </a:prstGeom>
-          <a:solidFill>
-            <a:srgbClr val="FFFFFF"/>
-          </a:solidFill>
-          <a:ln>
-            <a:noFill/>
-            <a:headEnd type="none" w="med" len="med"/>
-            <a:tailEnd type="none" w="med" len="med"/>
-          </a:ln>
-        </p:spPr>
-        <p:style>
-          <a:lnRef idx="2">
-            <a:schemeClr val="accent1">
-              <a:shade val="50000"/>
-            </a:schemeClr>
-          </a:lnRef>
-          <a:fillRef idx="1">
-            <a:schemeClr val="accent1"/>
-          </a:fillRef>
-          <a:effectRef idx="0">
-            <a:schemeClr val="accent1"/>
-          </a:effectRef>
-          <a:fontRef idx="minor">
-            <a:schemeClr val="lt1"/>
-          </a:fontRef>
-        </p:style>
-        <p:txBody>
-          <a:bodyPr vert="horz" wrap="square" lIns="0" tIns="46637" rIns="0" bIns="46637" numCol="1" rtlCol="0" anchor="ctr" anchorCtr="0" compatLnSpc="1">
-            <a:prstTxWarp prst="textNoShape">
-              <a:avLst/>
-            </a:prstTxWarp>
-          </a:bodyPr>
-          <a:lstStyle/>
-          <a:p>
-            <a:pPr algn="ctr" defTabSz="932398" fontAlgn="base">
-              <a:spcBef>
-                <a:spcPct val="0"/>
-              </a:spcBef>
-              <a:spcAft>
-                <a:spcPct val="0"/>
-              </a:spcAft>
-            </a:pPr>
-            <a:endParaRPr lang="en-US" sz="2000" dirty="0">
-              <a:gradFill>
-                <a:gsLst>
-                  <a:gs pos="16814">
-                    <a:srgbClr val="FFFFFF"/>
-                  </a:gs>
-                  <a:gs pos="46000">
-                    <a:srgbClr val="FFFFFF"/>
-                  </a:gs>
-                </a:gsLst>
-                <a:lin ang="5400000" scaled="0"/>
-              </a:gradFill>
-            </a:endParaRPr>
-          </a:p>
-        </p:txBody>
-      </p:sp>
-      <p:pic>
-        <p:nvPicPr>
-          <p:cNvPr id="14" name="Picture 13"/>
-          <p:cNvPicPr>
-            <a:picLocks noChangeAspect="1"/>
-          </p:cNvPicPr>
-          <p:nvPr/>
-        </p:nvPicPr>
-        <p:blipFill>
-          <a:blip r:embed="rId3"/>
-          <a:stretch>
-            <a:fillRect/>
-          </a:stretch>
-        </p:blipFill>
-        <p:spPr>
-          <a:xfrm>
-            <a:off x="1831973" y="2580875"/>
-            <a:ext cx="1371600" cy="771525"/>
-          </a:xfrm>
-          <a:prstGeom prst="rect">
-            <a:avLst/>
-          </a:prstGeom>
-        </p:spPr>
-      </p:pic>
-      <p:sp>
-        <p:nvSpPr>
-          <p:cNvPr id="10" name="TextBox 9"/>
-          <p:cNvSpPr txBox="1"/>
-          <p:nvPr/>
-        </p:nvSpPr>
-        <p:spPr>
-          <a:xfrm>
-            <a:off x="2948116" y="2637483"/>
-            <a:ext cx="1905000" cy="627864"/>
-          </a:xfrm>
-          <a:prstGeom prst="rect">
-            <a:avLst/>
-          </a:prstGeom>
-          <a:noFill/>
-        </p:spPr>
-        <p:txBody>
-          <a:bodyPr wrap="square" lIns="182880" tIns="146304" rIns="182880" bIns="146304" rtlCol="0">
-            <a:spAutoFit/>
-          </a:bodyPr>
-          <a:lstStyle/>
-          <a:p>
-            <a:pPr>
-              <a:lnSpc>
-                <a:spcPct val="90000"/>
-              </a:lnSpc>
-              <a:spcAft>
-                <a:spcPts val="600"/>
-              </a:spcAft>
-            </a:pPr>
-            <a:r>
-              <a:rPr lang="en-US" sz="2400" b="1" dirty="0" smtClean="0">
-                <a:solidFill>
-                  <a:schemeClr val="bg2"/>
-                </a:solidFill>
-              </a:rPr>
-              <a:t>Website</a:t>
-            </a:r>
-            <a:endParaRPr lang="en-US" sz="2400" b="1" dirty="0">
-              <a:solidFill>
-                <a:schemeClr val="bg2"/>
-              </a:solidFill>
-            </a:endParaRPr>
-          </a:p>
-        </p:txBody>
-      </p:sp>
-      <p:sp>
-        <p:nvSpPr>
-          <p:cNvPr id="16" name="Rounded Rectangle 15"/>
-          <p:cNvSpPr/>
-          <p:nvPr/>
-        </p:nvSpPr>
-        <p:spPr bwMode="auto">
-          <a:xfrm>
-            <a:off x="1825493" y="3542111"/>
-            <a:ext cx="3173544" cy="1016843"/>
-          </a:xfrm>
-          <a:prstGeom prst="roundRect">
-            <a:avLst/>
-          </a:prstGeom>
-          <a:solidFill>
-            <a:srgbClr val="FFFFFF"/>
-          </a:solidFill>
-          <a:ln>
-            <a:noFill/>
-            <a:headEnd type="none" w="med" len="med"/>
-            <a:tailEnd type="none" w="med" len="med"/>
-          </a:ln>
-        </p:spPr>
-        <p:style>
-          <a:lnRef idx="2">
-            <a:schemeClr val="accent1">
-              <a:shade val="50000"/>
-            </a:schemeClr>
-          </a:lnRef>
-          <a:fillRef idx="1">
-            <a:schemeClr val="accent1"/>
-          </a:fillRef>
-          <a:effectRef idx="0">
-            <a:schemeClr val="accent1"/>
-          </a:effectRef>
-          <a:fontRef idx="minor">
-            <a:schemeClr val="lt1"/>
-          </a:fontRef>
-        </p:style>
-        <p:txBody>
-          <a:bodyPr vert="horz" wrap="square" lIns="0" tIns="46637" rIns="0" bIns="46637" numCol="1" rtlCol="0" anchor="ctr" anchorCtr="0" compatLnSpc="1">
-            <a:prstTxWarp prst="textNoShape">
-              <a:avLst/>
-            </a:prstTxWarp>
-          </a:bodyPr>
-          <a:lstStyle/>
-          <a:p>
-            <a:pPr algn="ctr" defTabSz="932398" fontAlgn="base">
-              <a:spcBef>
-                <a:spcPct val="0"/>
-              </a:spcBef>
-              <a:spcAft>
-                <a:spcPct val="0"/>
-              </a:spcAft>
-            </a:pPr>
-            <a:endParaRPr lang="en-US" sz="2000" dirty="0">
-              <a:gradFill>
-                <a:gsLst>
-                  <a:gs pos="16814">
-                    <a:srgbClr val="FFFFFF"/>
-                  </a:gs>
-                  <a:gs pos="46000">
-                    <a:srgbClr val="FFFFFF"/>
-                  </a:gs>
-                </a:gsLst>
-                <a:lin ang="5400000" scaled="0"/>
-              </a:gradFill>
-            </a:endParaRPr>
-          </a:p>
-        </p:txBody>
-      </p:sp>
-      <p:pic>
-        <p:nvPicPr>
-          <p:cNvPr id="11" name="Picture 10"/>
-          <p:cNvPicPr>
-            <a:picLocks noChangeAspect="1"/>
-          </p:cNvPicPr>
-          <p:nvPr/>
-        </p:nvPicPr>
-        <p:blipFill>
-          <a:blip r:embed="rId4" cstate="print">
-            <a:extLst>
-              <a:ext uri="{28A0092B-C50C-407E-A947-70E740481C1C}">
-                <a14:useLocalDpi xmlns:a14="http://schemas.microsoft.com/office/drawing/2010/main" val="0"/>
-              </a:ext>
-            </a:extLst>
-          </a:blip>
-          <a:stretch>
-            <a:fillRect/>
-          </a:stretch>
-        </p:blipFill>
-        <p:spPr>
-          <a:xfrm>
-            <a:off x="1742731" y="3510039"/>
-            <a:ext cx="1448190" cy="1086142"/>
-          </a:xfrm>
-          <a:prstGeom prst="rect">
-            <a:avLst/>
-          </a:prstGeom>
-        </p:spPr>
-      </p:pic>
-      <p:sp>
-        <p:nvSpPr>
-          <p:cNvPr id="12" name="TextBox 11"/>
-          <p:cNvSpPr txBox="1"/>
-          <p:nvPr/>
-        </p:nvSpPr>
-        <p:spPr>
-          <a:xfrm>
-            <a:off x="2968800" y="3504883"/>
-            <a:ext cx="2431921" cy="960263"/>
-          </a:xfrm>
-          <a:prstGeom prst="rect">
-            <a:avLst/>
-          </a:prstGeom>
-          <a:noFill/>
-        </p:spPr>
-        <p:txBody>
-          <a:bodyPr wrap="square" lIns="182880" tIns="146304" rIns="182880" bIns="146304" rtlCol="0">
-            <a:spAutoFit/>
-          </a:bodyPr>
-          <a:lstStyle/>
-          <a:p>
-            <a:pPr>
-              <a:lnSpc>
-                <a:spcPct val="90000"/>
-              </a:lnSpc>
-              <a:spcAft>
-                <a:spcPts val="600"/>
-              </a:spcAft>
-            </a:pPr>
-            <a:r>
-              <a:rPr lang="en-US" sz="2400" b="1" dirty="0" smtClean="0">
-                <a:solidFill>
-                  <a:schemeClr val="bg2"/>
-                </a:solidFill>
-              </a:rPr>
-              <a:t>Azure Automation</a:t>
-            </a:r>
-            <a:endParaRPr lang="en-US" sz="2400" b="1" dirty="0">
-              <a:solidFill>
-                <a:schemeClr val="bg2"/>
-              </a:solidFill>
-            </a:endParaRPr>
-          </a:p>
-        </p:txBody>
-      </p:sp>
-      <p:cxnSp>
-        <p:nvCxnSpPr>
-          <p:cNvPr id="18" name="Straight Arrow Connector 17"/>
-          <p:cNvCxnSpPr/>
-          <p:nvPr/>
-        </p:nvCxnSpPr>
-        <p:spPr>
-          <a:xfrm flipV="1">
-            <a:off x="5001185" y="2485027"/>
-            <a:ext cx="4452926" cy="1205015"/>
-          </a:xfrm>
-          <a:prstGeom prst="straightConnector1">
-            <a:avLst/>
-          </a:prstGeom>
-          <a:ln w="41275">
-            <a:solidFill>
-              <a:schemeClr val="accent5"/>
-            </a:solidFill>
-            <a:headEnd type="triangle" w="lg" len="lg"/>
-            <a:tailEnd type="triangle" w="lg" len="lg"/>
-          </a:ln>
-        </p:spPr>
-        <p:style>
-          <a:lnRef idx="1">
-            <a:schemeClr val="accent1"/>
-          </a:lnRef>
-          <a:fillRef idx="0">
-            <a:schemeClr val="accent1"/>
-          </a:fillRef>
-          <a:effectRef idx="0">
-            <a:schemeClr val="accent1"/>
-          </a:effectRef>
-          <a:fontRef idx="minor">
-            <a:schemeClr val="tx1"/>
-          </a:fontRef>
-        </p:style>
-      </p:cxnSp>
-      <p:cxnSp>
-        <p:nvCxnSpPr>
-          <p:cNvPr id="20" name="Straight Arrow Connector 19"/>
-          <p:cNvCxnSpPr/>
-          <p:nvPr/>
-        </p:nvCxnSpPr>
-        <p:spPr>
-          <a:xfrm flipH="1">
-            <a:off x="5034521" y="1898069"/>
-            <a:ext cx="3962400" cy="1019128"/>
-          </a:xfrm>
-          <a:prstGeom prst="straightConnector1">
-            <a:avLst/>
-          </a:prstGeom>
-          <a:ln w="41275">
-            <a:solidFill>
-              <a:schemeClr val="accent5"/>
-            </a:solidFill>
-            <a:headEnd type="triangle" w="lg" len="lg"/>
-            <a:tailEnd type="triangle" w="lg" len="lg"/>
-          </a:ln>
-        </p:spPr>
-        <p:style>
-          <a:lnRef idx="1">
-            <a:schemeClr val="accent1"/>
-          </a:lnRef>
-          <a:fillRef idx="0">
-            <a:schemeClr val="accent1"/>
-          </a:fillRef>
-          <a:effectRef idx="0">
-            <a:schemeClr val="accent1"/>
-          </a:effectRef>
-          <a:fontRef idx="minor">
-            <a:schemeClr val="tx1"/>
-          </a:fontRef>
-        </p:style>
-      </p:cxnSp>
-      <p:sp>
-        <p:nvSpPr>
-          <p:cNvPr id="25" name="TextBox 24"/>
-          <p:cNvSpPr txBox="1"/>
-          <p:nvPr/>
-        </p:nvSpPr>
-        <p:spPr>
-          <a:xfrm>
-            <a:off x="7371952" y="3864175"/>
-            <a:ext cx="4164318" cy="627864"/>
-          </a:xfrm>
-          <a:prstGeom prst="rect">
-            <a:avLst/>
-          </a:prstGeom>
-          <a:noFill/>
-        </p:spPr>
-        <p:txBody>
-          <a:bodyPr wrap="square" lIns="182880" tIns="146304" rIns="182880" bIns="146304" rtlCol="0">
-            <a:spAutoFit/>
-          </a:bodyPr>
-          <a:lstStyle/>
-          <a:p>
-            <a:pPr>
-              <a:lnSpc>
-                <a:spcPct val="90000"/>
-              </a:lnSpc>
-              <a:spcAft>
-                <a:spcPts val="600"/>
-              </a:spcAft>
-            </a:pPr>
-            <a:r>
-              <a:rPr lang="en-US" sz="2400" b="1" dirty="0" smtClean="0"/>
-              <a:t>On-premises data center</a:t>
-            </a:r>
-            <a:endParaRPr lang="en-US" sz="2400" b="1" dirty="0"/>
-          </a:p>
-        </p:txBody>
-      </p:sp>
-      <p:grpSp>
-        <p:nvGrpSpPr>
-          <p:cNvPr id="37" name="Group 36"/>
-          <p:cNvGrpSpPr/>
-          <p:nvPr/>
-        </p:nvGrpSpPr>
-        <p:grpSpPr>
-          <a:xfrm>
-            <a:off x="7044134" y="5826756"/>
-            <a:ext cx="3898503" cy="876529"/>
-            <a:chOff x="7120334" y="6011862"/>
-            <a:chExt cx="4022943" cy="996224"/>
-          </a:xfrm>
-        </p:grpSpPr>
-        <p:sp>
-          <p:nvSpPr>
-            <p:cNvPr id="23" name="Rectangle 22"/>
-            <p:cNvSpPr/>
-            <p:nvPr/>
-          </p:nvSpPr>
-          <p:spPr bwMode="auto">
-            <a:xfrm>
-              <a:off x="7206635" y="6011862"/>
-              <a:ext cx="3936642" cy="996224"/>
-            </a:xfrm>
-            <a:prstGeom prst="rect">
-              <a:avLst/>
-            </a:prstGeom>
-            <a:solidFill>
-              <a:srgbClr val="00BCF2"/>
-            </a:solidFill>
-            <a:ln>
-              <a:noFill/>
-              <a:headEnd type="none" w="med" len="med"/>
-              <a:tailEnd type="none" w="med" len="med"/>
-            </a:ln>
-          </p:spPr>
-          <p:style>
-            <a:lnRef idx="2">
-              <a:schemeClr val="accent1">
-                <a:shade val="50000"/>
-              </a:schemeClr>
-            </a:lnRef>
-            <a:fillRef idx="1">
-              <a:schemeClr val="accent1"/>
-            </a:fillRef>
-            <a:effectRef idx="0">
-              <a:schemeClr val="accent1"/>
-            </a:effectRef>
-            <a:fontRef idx="minor">
-              <a:schemeClr val="lt1"/>
-            </a:fontRef>
-          </p:style>
-          <p:txBody>
-            <a:bodyPr vert="horz" wrap="square" lIns="0" tIns="46637" rIns="0" bIns="46637" numCol="1" rtlCol="0" anchor="ctr" anchorCtr="0" compatLnSpc="1">
-              <a:prstTxWarp prst="textNoShape">
-                <a:avLst/>
-              </a:prstTxWarp>
-            </a:bodyPr>
-            <a:lstStyle/>
-            <a:p>
-              <a:pPr algn="ctr" defTabSz="932398" fontAlgn="base">
-                <a:spcBef>
-                  <a:spcPct val="0"/>
-                </a:spcBef>
-                <a:spcAft>
-                  <a:spcPct val="0"/>
-                </a:spcAft>
-              </a:pPr>
-              <a:r>
-                <a:rPr lang="en-US" sz="2400" b="1" dirty="0" smtClean="0">
-                  <a:gradFill>
-                    <a:gsLst>
-                      <a:gs pos="16814">
-                        <a:srgbClr val="FFFFFF"/>
-                      </a:gs>
-                      <a:gs pos="46000">
-                        <a:srgbClr val="FFFFFF"/>
-                      </a:gs>
-                    </a:gsLst>
-                    <a:lin ang="5400000" scaled="0"/>
-                  </a:gradFill>
-                </a:rPr>
-                <a:t>On-premises VM</a:t>
-              </a:r>
-              <a:endParaRPr lang="en-US" sz="2400" b="1" dirty="0">
-                <a:gradFill>
-                  <a:gsLst>
-                    <a:gs pos="16814">
-                      <a:srgbClr val="FFFFFF"/>
-                    </a:gs>
-                    <a:gs pos="46000">
-                      <a:srgbClr val="FFFFFF"/>
-                    </a:gs>
-                  </a:gsLst>
-                  <a:lin ang="5400000" scaled="0"/>
-                </a:gradFill>
-              </a:endParaRPr>
-            </a:p>
-          </p:txBody>
-        </p:sp>
-        <p:pic>
-          <p:nvPicPr>
-            <p:cNvPr id="26" name="Picture 25"/>
-            <p:cNvPicPr>
-              <a:picLocks noChangeAspect="1"/>
-            </p:cNvPicPr>
-            <p:nvPr/>
-          </p:nvPicPr>
-          <p:blipFill>
-            <a:blip r:embed="rId5"/>
-            <a:stretch>
-              <a:fillRect/>
-            </a:stretch>
-          </p:blipFill>
-          <p:spPr>
-            <a:xfrm>
-              <a:off x="7120334" y="6173714"/>
-              <a:ext cx="880438" cy="720192"/>
-            </a:xfrm>
-            <a:prstGeom prst="rect">
-              <a:avLst/>
-            </a:prstGeom>
-          </p:spPr>
-        </p:pic>
-      </p:grpSp>
-      <p:grpSp>
-        <p:nvGrpSpPr>
-          <p:cNvPr id="36" name="Group 35"/>
-          <p:cNvGrpSpPr/>
-          <p:nvPr/>
-        </p:nvGrpSpPr>
-        <p:grpSpPr>
-          <a:xfrm>
-            <a:off x="7208837" y="4487862"/>
-            <a:ext cx="3733800" cy="1219200"/>
-            <a:chOff x="7285037" y="4564062"/>
-            <a:chExt cx="3733800" cy="1219200"/>
-          </a:xfrm>
-        </p:grpSpPr>
-        <p:grpSp>
-          <p:nvGrpSpPr>
-            <p:cNvPr id="27" name="Group 26"/>
-            <p:cNvGrpSpPr/>
-            <p:nvPr/>
-          </p:nvGrpSpPr>
-          <p:grpSpPr>
-            <a:xfrm>
-              <a:off x="7285037" y="4564062"/>
-              <a:ext cx="3733800" cy="1219200"/>
-              <a:chOff x="6065837" y="5402262"/>
-              <a:chExt cx="3733800" cy="1219200"/>
-            </a:xfrm>
-          </p:grpSpPr>
-          <p:sp>
-            <p:nvSpPr>
-              <p:cNvPr id="6" name="Rectangle 5"/>
-              <p:cNvSpPr/>
-              <p:nvPr/>
-            </p:nvSpPr>
-            <p:spPr bwMode="auto">
-              <a:xfrm>
-                <a:off x="6065837" y="5402262"/>
-                <a:ext cx="3733800" cy="1219200"/>
-              </a:xfrm>
-              <a:prstGeom prst="rect">
-                <a:avLst/>
-              </a:prstGeom>
-              <a:solidFill>
-                <a:srgbClr val="00BCF2"/>
-              </a:solidFill>
-              <a:ln>
-                <a:noFill/>
-                <a:headEnd type="none" w="med" len="med"/>
-                <a:tailEnd type="none" w="med" len="med"/>
-              </a:ln>
-            </p:spPr>
-            <p:style>
-              <a:lnRef idx="2">
-                <a:schemeClr val="accent1">
-                  <a:shade val="50000"/>
-                </a:schemeClr>
-              </a:lnRef>
-              <a:fillRef idx="1">
-                <a:schemeClr val="accent1"/>
-              </a:fillRef>
-              <a:effectRef idx="0">
-                <a:schemeClr val="accent1"/>
-              </a:effectRef>
-              <a:fontRef idx="minor">
-                <a:schemeClr val="lt1"/>
-              </a:fontRef>
-            </p:style>
-            <p:txBody>
-              <a:bodyPr vert="horz" wrap="square" lIns="0" tIns="46637" rIns="0" bIns="46637" numCol="1" rtlCol="0" anchor="ctr" anchorCtr="0" compatLnSpc="1">
-                <a:prstTxWarp prst="textNoShape">
-                  <a:avLst/>
-                </a:prstTxWarp>
-              </a:bodyPr>
-              <a:lstStyle/>
-              <a:p>
-                <a:pPr algn="ctr" defTabSz="932398" fontAlgn="base">
-                  <a:spcBef>
-                    <a:spcPct val="0"/>
-                  </a:spcBef>
-                  <a:spcAft>
-                    <a:spcPct val="0"/>
-                  </a:spcAft>
-                </a:pPr>
-                <a:endParaRPr lang="en-US" sz="3600" dirty="0">
-                  <a:gradFill>
-                    <a:gsLst>
-                      <a:gs pos="16814">
-                        <a:srgbClr val="FFFFFF"/>
-                      </a:gs>
-                      <a:gs pos="46000">
-                        <a:srgbClr val="FFFFFF"/>
-                      </a:gs>
-                    </a:gsLst>
-                    <a:lin ang="5400000" scaled="0"/>
-                  </a:gradFill>
-                </a:endParaRPr>
-              </a:p>
-            </p:txBody>
-          </p:sp>
-          <p:sp>
-            <p:nvSpPr>
-              <p:cNvPr id="19" name="Rounded Rectangle 18"/>
-              <p:cNvSpPr/>
-              <p:nvPr/>
-            </p:nvSpPr>
-            <p:spPr bwMode="auto">
-              <a:xfrm>
-                <a:off x="6299317" y="5526134"/>
-                <a:ext cx="3167064" cy="971456"/>
-              </a:xfrm>
-              <a:prstGeom prst="roundRect">
-                <a:avLst/>
-              </a:prstGeom>
-              <a:solidFill>
-                <a:srgbClr val="FFFFFF"/>
-              </a:solidFill>
-              <a:ln>
-                <a:noFill/>
-                <a:headEnd type="none" w="med" len="med"/>
-                <a:tailEnd type="none" w="med" len="med"/>
-              </a:ln>
-            </p:spPr>
-            <p:style>
-              <a:lnRef idx="2">
-                <a:schemeClr val="accent1">
-                  <a:shade val="50000"/>
-                </a:schemeClr>
-              </a:lnRef>
-              <a:fillRef idx="1">
-                <a:schemeClr val="accent1"/>
-              </a:fillRef>
-              <a:effectRef idx="0">
-                <a:schemeClr val="accent1"/>
-              </a:effectRef>
-              <a:fontRef idx="minor">
-                <a:schemeClr val="lt1"/>
-              </a:fontRef>
-            </p:style>
-            <p:txBody>
-              <a:bodyPr vert="horz" wrap="square" lIns="0" tIns="46637" rIns="0" bIns="46637" numCol="1" rtlCol="0" anchor="ctr" anchorCtr="0" compatLnSpc="1">
-                <a:prstTxWarp prst="textNoShape">
-                  <a:avLst/>
-                </a:prstTxWarp>
-              </a:bodyPr>
-              <a:lstStyle/>
-              <a:p>
-                <a:pPr algn="ctr" defTabSz="932398" fontAlgn="base">
-                  <a:spcBef>
-                    <a:spcPct val="0"/>
-                  </a:spcBef>
-                  <a:spcAft>
-                    <a:spcPct val="0"/>
-                  </a:spcAft>
-                </a:pPr>
-                <a:endParaRPr lang="en-US" sz="2000" dirty="0">
-                  <a:gradFill>
-                    <a:gsLst>
-                      <a:gs pos="16814">
-                        <a:srgbClr val="FFFFFF"/>
-                      </a:gs>
-                      <a:gs pos="46000">
-                        <a:srgbClr val="FFFFFF"/>
-                      </a:gs>
-                    </a:gsLst>
-                    <a:lin ang="5400000" scaled="0"/>
-                  </a:gradFill>
-                </a:endParaRPr>
-              </a:p>
-            </p:txBody>
-          </p:sp>
-          <p:sp>
-            <p:nvSpPr>
-              <p:cNvPr id="21" name="TextBox 20"/>
-              <p:cNvSpPr txBox="1"/>
-              <p:nvPr/>
-            </p:nvSpPr>
-            <p:spPr>
-              <a:xfrm>
-                <a:off x="7179582" y="5578190"/>
-                <a:ext cx="2304726" cy="849463"/>
-              </a:xfrm>
-              <a:prstGeom prst="rect">
-                <a:avLst/>
-              </a:prstGeom>
-              <a:noFill/>
-            </p:spPr>
-            <p:txBody>
-              <a:bodyPr wrap="square" lIns="182880" tIns="146304" rIns="182880" bIns="146304" rtlCol="0">
-                <a:spAutoFit/>
-              </a:bodyPr>
-              <a:lstStyle/>
-              <a:p>
-                <a:pPr>
-                  <a:lnSpc>
-                    <a:spcPct val="90000"/>
-                  </a:lnSpc>
-                  <a:spcAft>
-                    <a:spcPts val="600"/>
-                  </a:spcAft>
-                </a:pPr>
-                <a:r>
-                  <a:rPr lang="en-US" sz="2000" b="1" dirty="0" smtClean="0">
-                    <a:solidFill>
-                      <a:schemeClr val="bg2"/>
-                    </a:solidFill>
-                  </a:rPr>
-                  <a:t>Hybrid runbook worker</a:t>
-                </a:r>
-                <a:endParaRPr lang="en-US" sz="2000" b="1" dirty="0">
-                  <a:solidFill>
-                    <a:schemeClr val="bg2"/>
-                  </a:solidFill>
-                </a:endParaRPr>
-              </a:p>
-            </p:txBody>
-          </p:sp>
-        </p:grpSp>
-        <p:pic>
-          <p:nvPicPr>
-            <p:cNvPr id="34" name="Picture 33"/>
-            <p:cNvPicPr>
-              <a:picLocks noChangeAspect="1"/>
-            </p:cNvPicPr>
-            <p:nvPr/>
-          </p:nvPicPr>
-          <p:blipFill>
-            <a:blip r:embed="rId6"/>
-            <a:stretch>
-              <a:fillRect/>
-            </a:stretch>
-          </p:blipFill>
-          <p:spPr>
-            <a:xfrm>
-              <a:off x="7564021" y="4736334"/>
-              <a:ext cx="809625" cy="866775"/>
-            </a:xfrm>
-            <a:prstGeom prst="rect">
-              <a:avLst/>
-            </a:prstGeom>
-          </p:spPr>
-        </p:pic>
-      </p:grpSp>
-      <p:grpSp>
-        <p:nvGrpSpPr>
-          <p:cNvPr id="9" name="Group 8"/>
-          <p:cNvGrpSpPr/>
-          <p:nvPr/>
-        </p:nvGrpSpPr>
-        <p:grpSpPr>
-          <a:xfrm>
-            <a:off x="1417637" y="2951416"/>
-            <a:ext cx="410004" cy="1175469"/>
-            <a:chOff x="1417637" y="2951416"/>
-            <a:chExt cx="410004" cy="1175469"/>
-          </a:xfrm>
-        </p:grpSpPr>
-        <p:cxnSp>
-          <p:nvCxnSpPr>
-            <p:cNvPr id="31" name="Elbow Connector 30"/>
-            <p:cNvCxnSpPr/>
-            <p:nvPr/>
-          </p:nvCxnSpPr>
-          <p:spPr>
-            <a:xfrm rot="16200000" flipH="1" flipV="1">
-              <a:off x="1044706" y="3343951"/>
-              <a:ext cx="1175469" cy="390400"/>
-            </a:xfrm>
-            <a:prstGeom prst="bentConnector3">
-              <a:avLst>
-                <a:gd name="adj1" fmla="val -84"/>
-              </a:avLst>
-            </a:prstGeom>
-            <a:ln w="38100">
-              <a:solidFill>
-                <a:schemeClr val="tx1">
-                  <a:alpha val="95000"/>
-                </a:schemeClr>
-              </a:solidFill>
-              <a:headEnd type="triangle"/>
-              <a:tailEnd type="none"/>
-            </a:ln>
-          </p:spPr>
-          <p:style>
-            <a:lnRef idx="1">
-              <a:schemeClr val="accent1"/>
-            </a:lnRef>
-            <a:fillRef idx="0">
-              <a:schemeClr val="accent1"/>
-            </a:fillRef>
-            <a:effectRef idx="0">
-              <a:schemeClr val="accent1"/>
-            </a:effectRef>
-            <a:fontRef idx="minor">
-              <a:schemeClr val="tx1"/>
-            </a:fontRef>
-          </p:style>
-        </p:cxnSp>
-        <p:cxnSp>
-          <p:nvCxnSpPr>
-            <p:cNvPr id="38" name="Straight Arrow Connector 37"/>
-            <p:cNvCxnSpPr/>
-            <p:nvPr/>
-          </p:nvCxnSpPr>
-          <p:spPr>
-            <a:xfrm>
-              <a:off x="1417637" y="4126885"/>
-              <a:ext cx="407856" cy="0"/>
-            </a:xfrm>
-            <a:prstGeom prst="straightConnector1">
-              <a:avLst/>
-            </a:prstGeom>
-            <a:ln w="38100">
-              <a:solidFill>
-                <a:schemeClr val="tx1">
-                  <a:alpha val="95000"/>
-                </a:schemeClr>
-              </a:solidFill>
-              <a:headEnd type="none"/>
-              <a:tailEnd type="triangle"/>
-            </a:ln>
-          </p:spPr>
-          <p:style>
-            <a:lnRef idx="1">
-              <a:schemeClr val="accent1"/>
-            </a:lnRef>
-            <a:fillRef idx="0">
-              <a:schemeClr val="accent1"/>
-            </a:fillRef>
-            <a:effectRef idx="0">
-              <a:schemeClr val="accent1"/>
-            </a:effectRef>
-            <a:fontRef idx="minor">
-              <a:schemeClr val="tx1"/>
-            </a:fontRef>
-          </p:style>
-        </p:cxnSp>
-      </p:grpSp>
-      <p:cxnSp>
-        <p:nvCxnSpPr>
-          <p:cNvPr id="39" name="Straight Arrow Connector 38"/>
-          <p:cNvCxnSpPr/>
-          <p:nvPr/>
-        </p:nvCxnSpPr>
-        <p:spPr>
-          <a:xfrm>
-            <a:off x="5050953" y="4287465"/>
-            <a:ext cx="2102603" cy="859011"/>
-          </a:xfrm>
-          <a:prstGeom prst="straightConnector1">
-            <a:avLst/>
-          </a:prstGeom>
-          <a:ln w="41275">
-            <a:solidFill>
-              <a:schemeClr val="accent5"/>
-            </a:solidFill>
-            <a:headEnd type="triangle" w="lg" len="lg"/>
-            <a:tailEnd type="triangle" w="lg" len="lg"/>
-          </a:ln>
-        </p:spPr>
-        <p:style>
-          <a:lnRef idx="1">
-            <a:schemeClr val="accent1"/>
-          </a:lnRef>
-          <a:fillRef idx="0">
-            <a:schemeClr val="accent1"/>
-          </a:fillRef>
-          <a:effectRef idx="0">
-            <a:schemeClr val="accent1"/>
-          </a:effectRef>
-          <a:fontRef idx="minor">
-            <a:schemeClr val="tx1"/>
-          </a:fontRef>
-        </p:style>
-      </p:cxnSp>
-      <p:cxnSp>
-        <p:nvCxnSpPr>
-          <p:cNvPr id="40" name="Straight Arrow Connector 39"/>
-          <p:cNvCxnSpPr/>
-          <p:nvPr/>
-        </p:nvCxnSpPr>
-        <p:spPr>
-          <a:xfrm>
-            <a:off x="8996921" y="5630862"/>
-            <a:ext cx="0" cy="504872"/>
-          </a:xfrm>
-          <a:prstGeom prst="straightConnector1">
-            <a:avLst/>
-          </a:prstGeom>
-          <a:ln w="47625">
-            <a:solidFill>
-              <a:schemeClr val="tx1"/>
-            </a:solidFill>
-            <a:headEnd type="triangle" w="lg" len="med"/>
-            <a:tailEnd type="triangle" w="lg" len="med"/>
-          </a:ln>
-        </p:spPr>
-        <p:style>
-          <a:lnRef idx="1">
-            <a:schemeClr val="accent1"/>
-          </a:lnRef>
-          <a:fillRef idx="0">
-            <a:schemeClr val="accent1"/>
-          </a:fillRef>
-          <a:effectRef idx="0">
-            <a:schemeClr val="accent1"/>
-          </a:effectRef>
-          <a:fontRef idx="minor">
-            <a:schemeClr val="tx1"/>
-          </a:fontRef>
-        </p:style>
-      </p:cxnSp>
-    </p:spTree>
-    <p:extLst>
-      <p:ext uri="{BB962C8B-B14F-4D97-AF65-F5344CB8AC3E}">
-        <p14:creationId xmlns:p14="http://schemas.microsoft.com/office/powerpoint/2010/main" val="198910421"/>
-      </p:ext>
-    </p:extLst>
-  </p:cSld>
-  <p:clrMapOvr>
-    <a:masterClrMapping/>
-  </p:clrMapOvr>
-  <p:transition spd="med">
-    <p:fade/>
-  </p:transition>
-  <p:timing>
-    <p:tnLst>
-      <p:par>
-        <p:cTn id="1" dur="indefinite" restart="never" nodeType="tmRoot"/>
-      </p:par>
-    </p:tnLst>
-  </p:timing>
-</p:sld>
-</file>
-
-<file path=ppt/slides/slide11.xml><?xml version="1.0" encoding="utf-8"?>
-<p:sld xmlns:a="http://schemas.openxmlformats.org/drawingml/2006/main" xmlns:r="http://schemas.openxmlformats.org/officeDocument/2006/relationships" xmlns:p="http://schemas.openxmlformats.org/presentationml/2006/main">
-  <p:cSld>
-    <p:spTree>
-      <p:nvGrpSpPr>
-        <p:cNvPr id="1" name=""/>
-        <p:cNvGrpSpPr/>
-        <p:nvPr/>
-      </p:nvGrpSpPr>
-      <p:grpSpPr>
-        <a:xfrm>
-          <a:off x="0" y="0"/>
-          <a:ext cx="0" cy="0"/>
-          <a:chOff x="0" y="0"/>
-          <a:chExt cx="0" cy="0"/>
-        </a:xfrm>
-      </p:grpSpPr>
-    </p:spTree>
-    <p:extLst>
-      <p:ext uri="{BB962C8B-B14F-4D97-AF65-F5344CB8AC3E}">
-        <p14:creationId xmlns:p14="http://schemas.microsoft.com/office/powerpoint/2010/main" val="1169096581"/>
-      </p:ext>
-    </p:extLst>
-  </p:cSld>
-  <p:clrMapOvr>
-    <a:masterClrMapping/>
-  </p:clrMapOvr>
-  <mc:AlternateContent xmlns:mc="http://schemas.openxmlformats.org/markup-compatibility/2006" xmlns:p14="http://schemas.microsoft.com/office/powerpoint/2010/main">
-    <mc:Choice Requires="p14">
-      <p:transition spd="med" p14:dur="700">
-        <p:fade/>
-      </p:transition>
-    </mc:Choice>
-    <mc:Fallback xmlns="">
-      <p:transition spd="med">
-        <p:fade/>
-      </p:transition>
-    </mc:Fallback>
-  </mc:AlternateContent>
   <p:timing>
     <p:tnLst>
       <p:par>
@@ -20270,11 +18376,6 @@
               </a:rPr>
               <a:t>Microsoft Azure</a:t>
             </a:r>
-            <a:endParaRPr lang="en-US" sz="1873" dirty="0">
-              <a:solidFill>
-                <a:schemeClr val="bg1"/>
-              </a:solidFill>
-            </a:endParaRPr>
           </a:p>
         </p:txBody>
       </p:sp>
@@ -25689,7 +23790,7 @@
                 </a:ln>
                 <a:extLst>
                   <a:ext uri="{91240B29-F687-4f45-9708-019B960494DF}">
-                    <a14:hiddenLine xmlns="" xmlns:a14="http://schemas.microsoft.com/office/drawing/2010/main" w="9525">
+                    <a14:hiddenLine xmlns:a14="http://schemas.microsoft.com/office/drawing/2010/main" xmlns="" w="9525">
                       <a:solidFill>
                         <a:srgbClr val="000000"/>
                       </a:solidFill>
@@ -25791,7 +23892,7 @@
                 </a:ln>
                 <a:extLst>
                   <a:ext uri="{91240B29-F687-4f45-9708-019B960494DF}">
-                    <a14:hiddenLine xmlns="" xmlns:a14="http://schemas.microsoft.com/office/drawing/2010/main" w="9525">
+                    <a14:hiddenLine xmlns:a14="http://schemas.microsoft.com/office/drawing/2010/main" xmlns="" w="9525">
                       <a:solidFill>
                         <a:srgbClr val="000000"/>
                       </a:solidFill>
@@ -25893,7 +23994,7 @@
                 </a:ln>
                 <a:extLst>
                   <a:ext uri="{91240B29-F687-4f45-9708-019B960494DF}">
-                    <a14:hiddenLine xmlns="" xmlns:a14="http://schemas.microsoft.com/office/drawing/2010/main" w="9525">
+                    <a14:hiddenLine xmlns:a14="http://schemas.microsoft.com/office/drawing/2010/main" xmlns="" w="9525">
                       <a:solidFill>
                         <a:srgbClr val="000000"/>
                       </a:solidFill>
@@ -25995,7 +24096,7 @@
                 </a:ln>
                 <a:extLst>
                   <a:ext uri="{91240B29-F687-4f45-9708-019B960494DF}">
-                    <a14:hiddenLine xmlns="" xmlns:a14="http://schemas.microsoft.com/office/drawing/2010/main" w="9525">
+                    <a14:hiddenLine xmlns:a14="http://schemas.microsoft.com/office/drawing/2010/main" xmlns="" w="9525">
                       <a:solidFill>
                         <a:srgbClr val="000000"/>
                       </a:solidFill>
@@ -26063,7 +24164,7 @@
                 </a:ln>
                 <a:extLst>
                   <a:ext uri="{91240B29-F687-4f45-9708-019B960494DF}">
-                    <a14:hiddenLine xmlns="" xmlns:a14="http://schemas.microsoft.com/office/drawing/2010/main" w="9525">
+                    <a14:hiddenLine xmlns:a14="http://schemas.microsoft.com/office/drawing/2010/main" xmlns="" w="9525">
                       <a:solidFill>
                         <a:srgbClr val="000000"/>
                       </a:solidFill>
@@ -26165,7 +24266,7 @@
                 </a:ln>
                 <a:extLst>
                   <a:ext uri="{91240B29-F687-4f45-9708-019B960494DF}">
-                    <a14:hiddenLine xmlns="" xmlns:a14="http://schemas.microsoft.com/office/drawing/2010/main" w="9525">
+                    <a14:hiddenLine xmlns:a14="http://schemas.microsoft.com/office/drawing/2010/main" xmlns="" w="9525">
                       <a:solidFill>
                         <a:srgbClr val="000000"/>
                       </a:solidFill>
@@ -26267,7 +24368,7 @@
                 </a:ln>
                 <a:extLst>
                   <a:ext uri="{91240B29-F687-4f45-9708-019B960494DF}">
-                    <a14:hiddenLine xmlns="" xmlns:a14="http://schemas.microsoft.com/office/drawing/2010/main" w="9525">
+                    <a14:hiddenLine xmlns:a14="http://schemas.microsoft.com/office/drawing/2010/main" xmlns="" w="9525">
                       <a:solidFill>
                         <a:srgbClr val="000000"/>
                       </a:solidFill>
@@ -26369,7 +24470,7 @@
                 </a:ln>
                 <a:extLst>
                   <a:ext uri="{91240B29-F687-4f45-9708-019B960494DF}">
-                    <a14:hiddenLine xmlns="" xmlns:a14="http://schemas.microsoft.com/office/drawing/2010/main" w="9525">
+                    <a14:hiddenLine xmlns:a14="http://schemas.microsoft.com/office/drawing/2010/main" xmlns="" w="9525">
                       <a:solidFill>
                         <a:srgbClr val="000000"/>
                       </a:solidFill>
@@ -26437,7 +24538,7 @@
                 </a:ln>
                 <a:extLst>
                   <a:ext uri="{91240B29-F687-4f45-9708-019B960494DF}">
-                    <a14:hiddenLine xmlns="" xmlns:a14="http://schemas.microsoft.com/office/drawing/2010/main" w="9525">
+                    <a14:hiddenLine xmlns:a14="http://schemas.microsoft.com/office/drawing/2010/main" xmlns="" w="9525">
                       <a:solidFill>
                         <a:srgbClr val="000000"/>
                       </a:solidFill>
@@ -26539,7 +24640,7 @@
                 </a:ln>
                 <a:extLst>
                   <a:ext uri="{91240B29-F687-4f45-9708-019B960494DF}">
-                    <a14:hiddenLine xmlns="" xmlns:a14="http://schemas.microsoft.com/office/drawing/2010/main" w="9525">
+                    <a14:hiddenLine xmlns:a14="http://schemas.microsoft.com/office/drawing/2010/main" xmlns="" w="9525">
                       <a:solidFill>
                         <a:srgbClr val="000000"/>
                       </a:solidFill>
@@ -26638,14 +24739,14 @@
                 </a:ln>
                 <a:extLst>
                   <a:ext uri="{909E8E84-426E-40dd-AFC4-6F175D3DCCD1}">
-                    <a14:hiddenFill xmlns="" xmlns:a14="http://schemas.microsoft.com/office/drawing/2010/main">
+                    <a14:hiddenFill xmlns:a14="http://schemas.microsoft.com/office/drawing/2010/main" xmlns="">
                       <a:solidFill>
                         <a:srgbClr val="FFFFFF"/>
                       </a:solidFill>
                     </a14:hiddenFill>
                   </a:ext>
                   <a:ext uri="{91240B29-F687-4f45-9708-019B960494DF}">
-                    <a14:hiddenLine xmlns="" xmlns:a14="http://schemas.microsoft.com/office/drawing/2010/main" w="9525">
+                    <a14:hiddenLine xmlns:a14="http://schemas.microsoft.com/office/drawing/2010/main" xmlns="" w="9525">
                       <a:solidFill>
                         <a:srgbClr val="000000"/>
                       </a:solidFill>
@@ -26747,7 +24848,7 @@
                 </a:ln>
                 <a:extLst>
                   <a:ext uri="{91240B29-F687-4f45-9708-019B960494DF}">
-                    <a14:hiddenLine xmlns="" xmlns:a14="http://schemas.microsoft.com/office/drawing/2010/main" w="9525">
+                    <a14:hiddenLine xmlns:a14="http://schemas.microsoft.com/office/drawing/2010/main" xmlns="" w="9525">
                       <a:solidFill>
                         <a:srgbClr val="000000"/>
                       </a:solidFill>
@@ -26849,7 +24950,7 @@
                 </a:ln>
                 <a:extLst>
                   <a:ext uri="{91240B29-F687-4f45-9708-019B960494DF}">
-                    <a14:hiddenLine xmlns="" xmlns:a14="http://schemas.microsoft.com/office/drawing/2010/main" w="9525">
+                    <a14:hiddenLine xmlns:a14="http://schemas.microsoft.com/office/drawing/2010/main" xmlns="" w="9525">
                       <a:solidFill>
                         <a:srgbClr val="000000"/>
                       </a:solidFill>
@@ -26917,7 +25018,7 @@
                 </a:ln>
                 <a:extLst>
                   <a:ext uri="{91240B29-F687-4f45-9708-019B960494DF}">
-                    <a14:hiddenLine xmlns="" xmlns:a14="http://schemas.microsoft.com/office/drawing/2010/main" w="9525">
+                    <a14:hiddenLine xmlns:a14="http://schemas.microsoft.com/office/drawing/2010/main" xmlns="" w="9525">
                       <a:solidFill>
                         <a:srgbClr val="000000"/>
                       </a:solidFill>
@@ -27019,7 +25120,7 @@
                 </a:ln>
                 <a:extLst>
                   <a:ext uri="{91240B29-F687-4f45-9708-019B960494DF}">
-                    <a14:hiddenLine xmlns="" xmlns:a14="http://schemas.microsoft.com/office/drawing/2010/main" w="9525">
+                    <a14:hiddenLine xmlns:a14="http://schemas.microsoft.com/office/drawing/2010/main" xmlns="" w="9525">
                       <a:solidFill>
                         <a:srgbClr val="000000"/>
                       </a:solidFill>
@@ -27121,7 +25222,7 @@
                 </a:ln>
                 <a:extLst>
                   <a:ext uri="{91240B29-F687-4f45-9708-019B960494DF}">
-                    <a14:hiddenLine xmlns="" xmlns:a14="http://schemas.microsoft.com/office/drawing/2010/main" w="9525">
+                    <a14:hiddenLine xmlns:a14="http://schemas.microsoft.com/office/drawing/2010/main" xmlns="" w="9525">
                       <a:solidFill>
                         <a:srgbClr val="000000"/>
                       </a:solidFill>
@@ -27223,7 +25324,7 @@
                 </a:ln>
                 <a:extLst>
                   <a:ext uri="{91240B29-F687-4f45-9708-019B960494DF}">
-                    <a14:hiddenLine xmlns="" xmlns:a14="http://schemas.microsoft.com/office/drawing/2010/main" w="9525">
+                    <a14:hiddenLine xmlns:a14="http://schemas.microsoft.com/office/drawing/2010/main" xmlns="" w="9525">
                       <a:solidFill>
                         <a:srgbClr val="000000"/>
                       </a:solidFill>
@@ -27291,7 +25392,7 @@
                 </a:ln>
                 <a:extLst>
                   <a:ext uri="{91240B29-F687-4f45-9708-019B960494DF}">
-                    <a14:hiddenLine xmlns="" xmlns:a14="http://schemas.microsoft.com/office/drawing/2010/main" w="9525">
+                    <a14:hiddenLine xmlns:a14="http://schemas.microsoft.com/office/drawing/2010/main" xmlns="" w="9525">
                       <a:solidFill>
                         <a:srgbClr val="000000"/>
                       </a:solidFill>
@@ -27393,7 +25494,7 @@
                 </a:ln>
                 <a:extLst>
                   <a:ext uri="{91240B29-F687-4f45-9708-019B960494DF}">
-                    <a14:hiddenLine xmlns="" xmlns:a14="http://schemas.microsoft.com/office/drawing/2010/main" w="9525">
+                    <a14:hiddenLine xmlns:a14="http://schemas.microsoft.com/office/drawing/2010/main" xmlns="" w="9525">
                       <a:solidFill>
                         <a:srgbClr val="000000"/>
                       </a:solidFill>
@@ -27495,7 +25596,7 @@
                 </a:ln>
                 <a:extLst>
                   <a:ext uri="{91240B29-F687-4f45-9708-019B960494DF}">
-                    <a14:hiddenLine xmlns="" xmlns:a14="http://schemas.microsoft.com/office/drawing/2010/main" w="9525">
+                    <a14:hiddenLine xmlns:a14="http://schemas.microsoft.com/office/drawing/2010/main" xmlns="" w="9525">
                       <a:solidFill>
                         <a:srgbClr val="000000"/>
                       </a:solidFill>
@@ -27597,7 +25698,7 @@
                 </a:ln>
                 <a:extLst>
                   <a:ext uri="{91240B29-F687-4f45-9708-019B960494DF}">
-                    <a14:hiddenLine xmlns="" xmlns:a14="http://schemas.microsoft.com/office/drawing/2010/main" w="9525">
+                    <a14:hiddenLine xmlns:a14="http://schemas.microsoft.com/office/drawing/2010/main" xmlns="" w="9525">
                       <a:solidFill>
                         <a:srgbClr val="000000"/>
                       </a:solidFill>
@@ -27665,7 +25766,7 @@
                 </a:ln>
                 <a:extLst>
                   <a:ext uri="{91240B29-F687-4f45-9708-019B960494DF}">
-                    <a14:hiddenLine xmlns="" xmlns:a14="http://schemas.microsoft.com/office/drawing/2010/main" w="9525">
+                    <a14:hiddenLine xmlns:a14="http://schemas.microsoft.com/office/drawing/2010/main" xmlns="" w="9525">
                       <a:solidFill>
                         <a:srgbClr val="000000"/>
                       </a:solidFill>
@@ -27767,7 +25868,7 @@
                 </a:ln>
                 <a:extLst>
                   <a:ext uri="{91240B29-F687-4f45-9708-019B960494DF}">
-                    <a14:hiddenLine xmlns="" xmlns:a14="http://schemas.microsoft.com/office/drawing/2010/main" w="9525">
+                    <a14:hiddenLine xmlns:a14="http://schemas.microsoft.com/office/drawing/2010/main" xmlns="" w="9525">
                       <a:solidFill>
                         <a:srgbClr val="000000"/>
                       </a:solidFill>
@@ -27866,14 +25967,14 @@
                 </a:ln>
                 <a:extLst>
                   <a:ext uri="{909E8E84-426E-40dd-AFC4-6F175D3DCCD1}">
-                    <a14:hiddenFill xmlns="" xmlns:a14="http://schemas.microsoft.com/office/drawing/2010/main">
+                    <a14:hiddenFill xmlns:a14="http://schemas.microsoft.com/office/drawing/2010/main" xmlns="">
                       <a:solidFill>
                         <a:srgbClr val="FFFFFF"/>
                       </a:solidFill>
                     </a14:hiddenFill>
                   </a:ext>
                   <a:ext uri="{91240B29-F687-4f45-9708-019B960494DF}">
-                    <a14:hiddenLine xmlns="" xmlns:a14="http://schemas.microsoft.com/office/drawing/2010/main" w="9525">
+                    <a14:hiddenLine xmlns:a14="http://schemas.microsoft.com/office/drawing/2010/main" xmlns="" w="9525">
                       <a:solidFill>
                         <a:srgbClr val="000000"/>
                       </a:solidFill>
@@ -27975,7 +26076,7 @@
                 </a:ln>
                 <a:extLst>
                   <a:ext uri="{91240B29-F687-4f45-9708-019B960494DF}">
-                    <a14:hiddenLine xmlns="" xmlns:a14="http://schemas.microsoft.com/office/drawing/2010/main" w="9525">
+                    <a14:hiddenLine xmlns:a14="http://schemas.microsoft.com/office/drawing/2010/main" xmlns="" w="9525">
                       <a:solidFill>
                         <a:srgbClr val="000000"/>
                       </a:solidFill>
@@ -28077,7 +26178,7 @@
                 </a:ln>
                 <a:extLst>
                   <a:ext uri="{91240B29-F687-4f45-9708-019B960494DF}">
-                    <a14:hiddenLine xmlns="" xmlns:a14="http://schemas.microsoft.com/office/drawing/2010/main" w="9525">
+                    <a14:hiddenLine xmlns:a14="http://schemas.microsoft.com/office/drawing/2010/main" xmlns="" w="9525">
                       <a:solidFill>
                         <a:srgbClr val="000000"/>
                       </a:solidFill>
@@ -29891,7 +27992,7 @@
                 </a:ln>
                 <a:extLst>
                   <a:ext uri="{91240B29-F687-4f45-9708-019B960494DF}">
-                    <a14:hiddenLine xmlns="" xmlns:a14="http://schemas.microsoft.com/office/drawing/2010/main" w="9525">
+                    <a14:hiddenLine xmlns:a14="http://schemas.microsoft.com/office/drawing/2010/main" xmlns="" w="9525">
                       <a:solidFill>
                         <a:srgbClr val="000000"/>
                       </a:solidFill>
@@ -29993,7 +28094,7 @@
                 </a:ln>
                 <a:extLst>
                   <a:ext uri="{91240B29-F687-4f45-9708-019B960494DF}">
-                    <a14:hiddenLine xmlns="" xmlns:a14="http://schemas.microsoft.com/office/drawing/2010/main" w="9525">
+                    <a14:hiddenLine xmlns:a14="http://schemas.microsoft.com/office/drawing/2010/main" xmlns="" w="9525">
                       <a:solidFill>
                         <a:srgbClr val="000000"/>
                       </a:solidFill>
@@ -30092,14 +28193,14 @@
                 </a:ln>
                 <a:extLst>
                   <a:ext uri="{909E8E84-426E-40dd-AFC4-6F175D3DCCD1}">
-                    <a14:hiddenFill xmlns="" xmlns:a14="http://schemas.microsoft.com/office/drawing/2010/main">
+                    <a14:hiddenFill xmlns:a14="http://schemas.microsoft.com/office/drawing/2010/main" xmlns="">
                       <a:solidFill>
                         <a:srgbClr val="FFFFFF"/>
                       </a:solidFill>
                     </a14:hiddenFill>
                   </a:ext>
                   <a:ext uri="{91240B29-F687-4f45-9708-019B960494DF}">
-                    <a14:hiddenLine xmlns="" xmlns:a14="http://schemas.microsoft.com/office/drawing/2010/main" w="9525">
+                    <a14:hiddenLine xmlns:a14="http://schemas.microsoft.com/office/drawing/2010/main" xmlns="" w="9525">
                       <a:solidFill>
                         <a:srgbClr val="000000"/>
                       </a:solidFill>
@@ -30201,7 +28302,7 @@
                 </a:ln>
                 <a:extLst>
                   <a:ext uri="{91240B29-F687-4f45-9708-019B960494DF}">
-                    <a14:hiddenLine xmlns="" xmlns:a14="http://schemas.microsoft.com/office/drawing/2010/main" w="9525">
+                    <a14:hiddenLine xmlns:a14="http://schemas.microsoft.com/office/drawing/2010/main" xmlns="" w="9525">
                       <a:solidFill>
                         <a:srgbClr val="000000"/>
                       </a:solidFill>
@@ -30303,7 +28404,7 @@
                 </a:ln>
                 <a:extLst>
                   <a:ext uri="{91240B29-F687-4f45-9708-019B960494DF}">
-                    <a14:hiddenLine xmlns="" xmlns:a14="http://schemas.microsoft.com/office/drawing/2010/main" w="9525">
+                    <a14:hiddenLine xmlns:a14="http://schemas.microsoft.com/office/drawing/2010/main" xmlns="" w="9525">
                       <a:solidFill>
                         <a:srgbClr val="000000"/>
                       </a:solidFill>
@@ -30371,7 +28472,7 @@
                 </a:ln>
                 <a:extLst>
                   <a:ext uri="{91240B29-F687-4f45-9708-019B960494DF}">
-                    <a14:hiddenLine xmlns="" xmlns:a14="http://schemas.microsoft.com/office/drawing/2010/main" w="9525">
+                    <a14:hiddenLine xmlns:a14="http://schemas.microsoft.com/office/drawing/2010/main" xmlns="" w="9525">
                       <a:solidFill>
                         <a:srgbClr val="000000"/>
                       </a:solidFill>
@@ -30473,7 +28574,7 @@
                 </a:ln>
                 <a:extLst>
                   <a:ext uri="{91240B29-F687-4f45-9708-019B960494DF}">
-                    <a14:hiddenLine xmlns="" xmlns:a14="http://schemas.microsoft.com/office/drawing/2010/main" w="9525">
+                    <a14:hiddenLine xmlns:a14="http://schemas.microsoft.com/office/drawing/2010/main" xmlns="" w="9525">
                       <a:solidFill>
                         <a:srgbClr val="000000"/>
                       </a:solidFill>
@@ -30575,7 +28676,7 @@
                 </a:ln>
                 <a:extLst>
                   <a:ext uri="{91240B29-F687-4f45-9708-019B960494DF}">
-                    <a14:hiddenLine xmlns="" xmlns:a14="http://schemas.microsoft.com/office/drawing/2010/main" w="9525">
+                    <a14:hiddenLine xmlns:a14="http://schemas.microsoft.com/office/drawing/2010/main" xmlns="" w="9525">
                       <a:solidFill>
                         <a:srgbClr val="000000"/>
                       </a:solidFill>
@@ -30677,7 +28778,7 @@
                 </a:ln>
                 <a:extLst>
                   <a:ext uri="{91240B29-F687-4f45-9708-019B960494DF}">
-                    <a14:hiddenLine xmlns="" xmlns:a14="http://schemas.microsoft.com/office/drawing/2010/main" w="9525">
+                    <a14:hiddenLine xmlns:a14="http://schemas.microsoft.com/office/drawing/2010/main" xmlns="" w="9525">
                       <a:solidFill>
                         <a:srgbClr val="000000"/>
                       </a:solidFill>
@@ -30745,7 +28846,7 @@
                 </a:ln>
                 <a:extLst>
                   <a:ext uri="{91240B29-F687-4f45-9708-019B960494DF}">
-                    <a14:hiddenLine xmlns="" xmlns:a14="http://schemas.microsoft.com/office/drawing/2010/main" w="9525">
+                    <a14:hiddenLine xmlns:a14="http://schemas.microsoft.com/office/drawing/2010/main" xmlns="" w="9525">
                       <a:solidFill>
                         <a:srgbClr val="000000"/>
                       </a:solidFill>
@@ -30847,7 +28948,7 @@
                 </a:ln>
                 <a:extLst>
                   <a:ext uri="{91240B29-F687-4f45-9708-019B960494DF}">
-                    <a14:hiddenLine xmlns="" xmlns:a14="http://schemas.microsoft.com/office/drawing/2010/main" w="9525">
+                    <a14:hiddenLine xmlns:a14="http://schemas.microsoft.com/office/drawing/2010/main" xmlns="" w="9525">
                       <a:solidFill>
                         <a:srgbClr val="000000"/>
                       </a:solidFill>
@@ -30949,7 +29050,7 @@
                 </a:ln>
                 <a:extLst>
                   <a:ext uri="{91240B29-F687-4f45-9708-019B960494DF}">
-                    <a14:hiddenLine xmlns="" xmlns:a14="http://schemas.microsoft.com/office/drawing/2010/main" w="9525">
+                    <a14:hiddenLine xmlns:a14="http://schemas.microsoft.com/office/drawing/2010/main" xmlns="" w="9525">
                       <a:solidFill>
                         <a:srgbClr val="000000"/>
                       </a:solidFill>
@@ -31051,7 +29152,7 @@
                 </a:ln>
                 <a:extLst>
                   <a:ext uri="{91240B29-F687-4f45-9708-019B960494DF}">
-                    <a14:hiddenLine xmlns="" xmlns:a14="http://schemas.microsoft.com/office/drawing/2010/main" w="9525">
+                    <a14:hiddenLine xmlns:a14="http://schemas.microsoft.com/office/drawing/2010/main" xmlns="" w="9525">
                       <a:solidFill>
                         <a:srgbClr val="000000"/>
                       </a:solidFill>
@@ -31590,7 +29691,7 @@
                 </a:ln>
                 <a:extLst>
                   <a:ext uri="{91240B29-F687-4f45-9708-019B960494DF}">
-                    <a14:hiddenLine xmlns="" xmlns:a14="http://schemas.microsoft.com/office/drawing/2010/main" w="9525">
+                    <a14:hiddenLine xmlns:a14="http://schemas.microsoft.com/office/drawing/2010/main" xmlns="" w="9525">
                       <a:solidFill>
                         <a:srgbClr val="000000"/>
                       </a:solidFill>
@@ -31650,7 +29751,7 @@
                 </a:ln>
                 <a:extLst>
                   <a:ext uri="{91240B29-F687-4f45-9708-019B960494DF}">
-                    <a14:hiddenLine xmlns="" xmlns:a14="http://schemas.microsoft.com/office/drawing/2010/main" w="9525">
+                    <a14:hiddenLine xmlns:a14="http://schemas.microsoft.com/office/drawing/2010/main" xmlns="" w="9525">
                       <a:solidFill>
                         <a:srgbClr val="000000"/>
                       </a:solidFill>
@@ -31708,14 +29809,14 @@
                 </a:ln>
                 <a:extLst>
                   <a:ext uri="{909E8E84-426E-40dd-AFC4-6F175D3DCCD1}">
-                    <a14:hiddenFill xmlns="" xmlns:a14="http://schemas.microsoft.com/office/drawing/2010/main">
+                    <a14:hiddenFill xmlns:a14="http://schemas.microsoft.com/office/drawing/2010/main" xmlns="">
                       <a:solidFill>
                         <a:srgbClr val="FFFFFF"/>
                       </a:solidFill>
                     </a14:hiddenFill>
                   </a:ext>
                   <a:ext uri="{91240B29-F687-4f45-9708-019B960494DF}">
-                    <a14:hiddenLine xmlns="" xmlns:a14="http://schemas.microsoft.com/office/drawing/2010/main" w="9525">
+                    <a14:hiddenLine xmlns:a14="http://schemas.microsoft.com/office/drawing/2010/main" xmlns="" w="9525">
                       <a:solidFill>
                         <a:srgbClr val="000000"/>
                       </a:solidFill>
@@ -31775,7 +29876,7 @@
                 </a:ln>
                 <a:extLst>
                   <a:ext uri="{91240B29-F687-4f45-9708-019B960494DF}">
-                    <a14:hiddenLine xmlns="" xmlns:a14="http://schemas.microsoft.com/office/drawing/2010/main" w="9525">
+                    <a14:hiddenLine xmlns:a14="http://schemas.microsoft.com/office/drawing/2010/main" xmlns="" w="9525">
                       <a:solidFill>
                         <a:srgbClr val="000000"/>
                       </a:solidFill>
@@ -31833,14 +29934,14 @@
                 </a:ln>
                 <a:extLst>
                   <a:ext uri="{909E8E84-426E-40dd-AFC4-6F175D3DCCD1}">
-                    <a14:hiddenFill xmlns="" xmlns:a14="http://schemas.microsoft.com/office/drawing/2010/main">
+                    <a14:hiddenFill xmlns:a14="http://schemas.microsoft.com/office/drawing/2010/main" xmlns="">
                       <a:solidFill>
                         <a:srgbClr val="FFFFFF"/>
                       </a:solidFill>
                     </a14:hiddenFill>
                   </a:ext>
                   <a:ext uri="{91240B29-F687-4f45-9708-019B960494DF}">
-                    <a14:hiddenLine xmlns="" xmlns:a14="http://schemas.microsoft.com/office/drawing/2010/main" w="9525">
+                    <a14:hiddenLine xmlns:a14="http://schemas.microsoft.com/office/drawing/2010/main" xmlns="" w="9525">
                       <a:solidFill>
                         <a:srgbClr val="000000"/>
                       </a:solidFill>
@@ -31900,7 +30001,7 @@
                 </a:ln>
                 <a:extLst>
                   <a:ext uri="{91240B29-F687-4f45-9708-019B960494DF}">
-                    <a14:hiddenLine xmlns="" xmlns:a14="http://schemas.microsoft.com/office/drawing/2010/main" w="9525">
+                    <a14:hiddenLine xmlns:a14="http://schemas.microsoft.com/office/drawing/2010/main" xmlns="" w="9525">
                       <a:solidFill>
                         <a:srgbClr val="000000"/>
                       </a:solidFill>
@@ -31958,14 +30059,14 @@
                 </a:ln>
                 <a:extLst>
                   <a:ext uri="{909E8E84-426E-40dd-AFC4-6F175D3DCCD1}">
-                    <a14:hiddenFill xmlns="" xmlns:a14="http://schemas.microsoft.com/office/drawing/2010/main">
+                    <a14:hiddenFill xmlns:a14="http://schemas.microsoft.com/office/drawing/2010/main" xmlns="">
                       <a:solidFill>
                         <a:srgbClr val="FFFFFF"/>
                       </a:solidFill>
                     </a14:hiddenFill>
                   </a:ext>
                   <a:ext uri="{91240B29-F687-4f45-9708-019B960494DF}">
-                    <a14:hiddenLine xmlns="" xmlns:a14="http://schemas.microsoft.com/office/drawing/2010/main" w="9525">
+                    <a14:hiddenLine xmlns:a14="http://schemas.microsoft.com/office/drawing/2010/main" xmlns="" w="9525">
                       <a:solidFill>
                         <a:srgbClr val="000000"/>
                       </a:solidFill>
@@ -32025,7 +30126,7 @@
                 </a:ln>
                 <a:extLst>
                   <a:ext uri="{91240B29-F687-4f45-9708-019B960494DF}">
-                    <a14:hiddenLine xmlns="" xmlns:a14="http://schemas.microsoft.com/office/drawing/2010/main" w="9525">
+                    <a14:hiddenLine xmlns:a14="http://schemas.microsoft.com/office/drawing/2010/main" xmlns="" w="9525">
                       <a:solidFill>
                         <a:srgbClr val="000000"/>
                       </a:solidFill>
@@ -32083,14 +30184,14 @@
                 </a:ln>
                 <a:extLst>
                   <a:ext uri="{909E8E84-426E-40dd-AFC4-6F175D3DCCD1}">
-                    <a14:hiddenFill xmlns="" xmlns:a14="http://schemas.microsoft.com/office/drawing/2010/main">
+                    <a14:hiddenFill xmlns:a14="http://schemas.microsoft.com/office/drawing/2010/main" xmlns="">
                       <a:solidFill>
                         <a:srgbClr val="FFFFFF"/>
                       </a:solidFill>
                     </a14:hiddenFill>
                   </a:ext>
                   <a:ext uri="{91240B29-F687-4f45-9708-019B960494DF}">
-                    <a14:hiddenLine xmlns="" xmlns:a14="http://schemas.microsoft.com/office/drawing/2010/main" w="9525">
+                    <a14:hiddenLine xmlns:a14="http://schemas.microsoft.com/office/drawing/2010/main" xmlns="" w="9525">
                       <a:solidFill>
                         <a:srgbClr val="000000"/>
                       </a:solidFill>
@@ -32150,7 +30251,7 @@
                 </a:ln>
                 <a:extLst>
                   <a:ext uri="{91240B29-F687-4f45-9708-019B960494DF}">
-                    <a14:hiddenLine xmlns="" xmlns:a14="http://schemas.microsoft.com/office/drawing/2010/main" w="9525">
+                    <a14:hiddenLine xmlns:a14="http://schemas.microsoft.com/office/drawing/2010/main" xmlns="" w="9525">
                       <a:solidFill>
                         <a:srgbClr val="000000"/>
                       </a:solidFill>
@@ -32208,14 +30309,14 @@
                 </a:ln>
                 <a:extLst>
                   <a:ext uri="{909E8E84-426E-40dd-AFC4-6F175D3DCCD1}">
-                    <a14:hiddenFill xmlns="" xmlns:a14="http://schemas.microsoft.com/office/drawing/2010/main">
+                    <a14:hiddenFill xmlns:a14="http://schemas.microsoft.com/office/drawing/2010/main" xmlns="">
                       <a:solidFill>
                         <a:srgbClr val="FFFFFF"/>
                       </a:solidFill>
                     </a14:hiddenFill>
                   </a:ext>
                   <a:ext uri="{91240B29-F687-4f45-9708-019B960494DF}">
-                    <a14:hiddenLine xmlns="" xmlns:a14="http://schemas.microsoft.com/office/drawing/2010/main" w="9525">
+                    <a14:hiddenLine xmlns:a14="http://schemas.microsoft.com/office/drawing/2010/main" xmlns="" w="9525">
                       <a:solidFill>
                         <a:srgbClr val="000000"/>
                       </a:solidFill>
@@ -32275,7 +30376,7 @@
                 </a:ln>
                 <a:extLst>
                   <a:ext uri="{91240B29-F687-4f45-9708-019B960494DF}">
-                    <a14:hiddenLine xmlns="" xmlns:a14="http://schemas.microsoft.com/office/drawing/2010/main" w="9525">
+                    <a14:hiddenLine xmlns:a14="http://schemas.microsoft.com/office/drawing/2010/main" xmlns="" w="9525">
                       <a:solidFill>
                         <a:srgbClr val="000000"/>
                       </a:solidFill>
@@ -32335,7 +30436,7 @@
                 </a:ln>
                 <a:extLst>
                   <a:ext uri="{91240B29-F687-4f45-9708-019B960494DF}">
-                    <a14:hiddenLine xmlns="" xmlns:a14="http://schemas.microsoft.com/office/drawing/2010/main" w="9525">
+                    <a14:hiddenLine xmlns:a14="http://schemas.microsoft.com/office/drawing/2010/main" xmlns="" w="9525">
                       <a:solidFill>
                         <a:srgbClr val="000000"/>
                       </a:solidFill>
@@ -32395,7 +30496,7 @@
                 </a:ln>
                 <a:extLst>
                   <a:ext uri="{91240B29-F687-4f45-9708-019B960494DF}">
-                    <a14:hiddenLine xmlns="" xmlns:a14="http://schemas.microsoft.com/office/drawing/2010/main" w="9525">
+                    <a14:hiddenLine xmlns:a14="http://schemas.microsoft.com/office/drawing/2010/main" xmlns="" w="9525">
                       <a:solidFill>
                         <a:srgbClr val="000000"/>
                       </a:solidFill>
@@ -32453,14 +30554,14 @@
                 </a:ln>
                 <a:extLst>
                   <a:ext uri="{909E8E84-426E-40dd-AFC4-6F175D3DCCD1}">
-                    <a14:hiddenFill xmlns="" xmlns:a14="http://schemas.microsoft.com/office/drawing/2010/main">
+                    <a14:hiddenFill xmlns:a14="http://schemas.microsoft.com/office/drawing/2010/main" xmlns="">
                       <a:solidFill>
                         <a:srgbClr val="FFFFFF"/>
                       </a:solidFill>
                     </a14:hiddenFill>
                   </a:ext>
                   <a:ext uri="{91240B29-F687-4f45-9708-019B960494DF}">
-                    <a14:hiddenLine xmlns="" xmlns:a14="http://schemas.microsoft.com/office/drawing/2010/main" w="9525">
+                    <a14:hiddenLine xmlns:a14="http://schemas.microsoft.com/office/drawing/2010/main" xmlns="" w="9525">
                       <a:solidFill>
                         <a:srgbClr val="000000"/>
                       </a:solidFill>
@@ -32520,7 +30621,7 @@
                 </a:ln>
                 <a:extLst>
                   <a:ext uri="{91240B29-F687-4f45-9708-019B960494DF}">
-                    <a14:hiddenLine xmlns="" xmlns:a14="http://schemas.microsoft.com/office/drawing/2010/main" w="9525">
+                    <a14:hiddenLine xmlns:a14="http://schemas.microsoft.com/office/drawing/2010/main" xmlns="" w="9525">
                       <a:solidFill>
                         <a:srgbClr val="000000"/>
                       </a:solidFill>
@@ -32783,7 +30884,7 @@
                 </a:ln>
                 <a:extLst>
                   <a:ext uri="{91240B29-F687-4f45-9708-019B960494DF}">
-                    <a14:hiddenLine xmlns="" xmlns:a14="http://schemas.microsoft.com/office/drawing/2010/main" w="9525">
+                    <a14:hiddenLine xmlns:a14="http://schemas.microsoft.com/office/drawing/2010/main" xmlns="" w="9525">
                       <a:solidFill>
                         <a:srgbClr val="000000"/>
                       </a:solidFill>
@@ -33043,14 +31144,14 @@
                 </a:ln>
                 <a:extLst>
                   <a:ext uri="{909E8E84-426E-40dd-AFC4-6F175D3DCCD1}">
-                    <a14:hiddenFill xmlns="" xmlns:a14="http://schemas.microsoft.com/office/drawing/2010/main">
+                    <a14:hiddenFill xmlns:a14="http://schemas.microsoft.com/office/drawing/2010/main" xmlns="">
                       <a:solidFill>
                         <a:srgbClr val="FFFFFF"/>
                       </a:solidFill>
                     </a14:hiddenFill>
                   </a:ext>
                   <a:ext uri="{91240B29-F687-4f45-9708-019B960494DF}">
-                    <a14:hiddenLine xmlns="" xmlns:a14="http://schemas.microsoft.com/office/drawing/2010/main" w="9525">
+                    <a14:hiddenLine xmlns:a14="http://schemas.microsoft.com/office/drawing/2010/main" xmlns="" w="9525">
                       <a:solidFill>
                         <a:srgbClr val="000000"/>
                       </a:solidFill>
@@ -33110,7 +31211,7 @@
                 </a:ln>
                 <a:extLst>
                   <a:ext uri="{91240B29-F687-4f45-9708-019B960494DF}">
-                    <a14:hiddenLine xmlns="" xmlns:a14="http://schemas.microsoft.com/office/drawing/2010/main" w="9525">
+                    <a14:hiddenLine xmlns:a14="http://schemas.microsoft.com/office/drawing/2010/main" xmlns="" w="9525">
                       <a:solidFill>
                         <a:srgbClr val="000000"/>
                       </a:solidFill>
@@ -33168,14 +31269,14 @@
                 </a:ln>
                 <a:extLst>
                   <a:ext uri="{909E8E84-426E-40dd-AFC4-6F175D3DCCD1}">
-                    <a14:hiddenFill xmlns="" xmlns:a14="http://schemas.microsoft.com/office/drawing/2010/main">
+                    <a14:hiddenFill xmlns:a14="http://schemas.microsoft.com/office/drawing/2010/main" xmlns="">
                       <a:solidFill>
                         <a:srgbClr val="FFFFFF"/>
                       </a:solidFill>
                     </a14:hiddenFill>
                   </a:ext>
                   <a:ext uri="{91240B29-F687-4f45-9708-019B960494DF}">
-                    <a14:hiddenLine xmlns="" xmlns:a14="http://schemas.microsoft.com/office/drawing/2010/main" w="9525">
+                    <a14:hiddenLine xmlns:a14="http://schemas.microsoft.com/office/drawing/2010/main" xmlns="" w="9525">
                       <a:solidFill>
                         <a:srgbClr val="000000"/>
                       </a:solidFill>
@@ -33235,7 +31336,7 @@
                 </a:ln>
                 <a:extLst>
                   <a:ext uri="{91240B29-F687-4f45-9708-019B960494DF}">
-                    <a14:hiddenLine xmlns="" xmlns:a14="http://schemas.microsoft.com/office/drawing/2010/main" w="9525">
+                    <a14:hiddenLine xmlns:a14="http://schemas.microsoft.com/office/drawing/2010/main" xmlns="" w="9525">
                       <a:solidFill>
                         <a:srgbClr val="000000"/>
                       </a:solidFill>
@@ -33293,14 +31394,14 @@
                 </a:ln>
                 <a:extLst>
                   <a:ext uri="{909E8E84-426E-40dd-AFC4-6F175D3DCCD1}">
-                    <a14:hiddenFill xmlns="" xmlns:a14="http://schemas.microsoft.com/office/drawing/2010/main">
+                    <a14:hiddenFill xmlns:a14="http://schemas.microsoft.com/office/drawing/2010/main" xmlns="">
                       <a:solidFill>
                         <a:srgbClr val="FFFFFF"/>
                       </a:solidFill>
                     </a14:hiddenFill>
                   </a:ext>
                   <a:ext uri="{91240B29-F687-4f45-9708-019B960494DF}">
-                    <a14:hiddenLine xmlns="" xmlns:a14="http://schemas.microsoft.com/office/drawing/2010/main" w="9525">
+                    <a14:hiddenLine xmlns:a14="http://schemas.microsoft.com/office/drawing/2010/main" xmlns="" w="9525">
                       <a:solidFill>
                         <a:srgbClr val="000000"/>
                       </a:solidFill>
@@ -33360,7 +31461,7 @@
                 </a:ln>
                 <a:extLst>
                   <a:ext uri="{91240B29-F687-4f45-9708-019B960494DF}">
-                    <a14:hiddenLine xmlns="" xmlns:a14="http://schemas.microsoft.com/office/drawing/2010/main" w="9525">
+                    <a14:hiddenLine xmlns:a14="http://schemas.microsoft.com/office/drawing/2010/main" xmlns="" w="9525">
                       <a:solidFill>
                         <a:srgbClr val="000000"/>
                       </a:solidFill>
@@ -33418,14 +31519,14 @@
                 </a:ln>
                 <a:extLst>
                   <a:ext uri="{909E8E84-426E-40dd-AFC4-6F175D3DCCD1}">
-                    <a14:hiddenFill xmlns="" xmlns:a14="http://schemas.microsoft.com/office/drawing/2010/main">
+                    <a14:hiddenFill xmlns:a14="http://schemas.microsoft.com/office/drawing/2010/main" xmlns="">
                       <a:solidFill>
                         <a:srgbClr val="FFFFFF"/>
                       </a:solidFill>
                     </a14:hiddenFill>
                   </a:ext>
                   <a:ext uri="{91240B29-F687-4f45-9708-019B960494DF}">
-                    <a14:hiddenLine xmlns="" xmlns:a14="http://schemas.microsoft.com/office/drawing/2010/main" w="9525">
+                    <a14:hiddenLine xmlns:a14="http://schemas.microsoft.com/office/drawing/2010/main" xmlns="" w="9525">
                       <a:solidFill>
                         <a:srgbClr val="000000"/>
                       </a:solidFill>
@@ -33485,7 +31586,7 @@
                 </a:ln>
                 <a:extLst>
                   <a:ext uri="{91240B29-F687-4f45-9708-019B960494DF}">
-                    <a14:hiddenLine xmlns="" xmlns:a14="http://schemas.microsoft.com/office/drawing/2010/main" w="9525">
+                    <a14:hiddenLine xmlns:a14="http://schemas.microsoft.com/office/drawing/2010/main" xmlns="" w="9525">
                       <a:solidFill>
                         <a:srgbClr val="000000"/>
                       </a:solidFill>
@@ -33543,14 +31644,14 @@
                 </a:ln>
                 <a:extLst>
                   <a:ext uri="{909E8E84-426E-40dd-AFC4-6F175D3DCCD1}">
-                    <a14:hiddenFill xmlns="" xmlns:a14="http://schemas.microsoft.com/office/drawing/2010/main">
+                    <a14:hiddenFill xmlns:a14="http://schemas.microsoft.com/office/drawing/2010/main" xmlns="">
                       <a:solidFill>
                         <a:srgbClr val="FFFFFF"/>
                       </a:solidFill>
                     </a14:hiddenFill>
                   </a:ext>
                   <a:ext uri="{91240B29-F687-4f45-9708-019B960494DF}">
-                    <a14:hiddenLine xmlns="" xmlns:a14="http://schemas.microsoft.com/office/drawing/2010/main" w="9525">
+                    <a14:hiddenLine xmlns:a14="http://schemas.microsoft.com/office/drawing/2010/main" xmlns="" w="9525">
                       <a:solidFill>
                         <a:srgbClr val="000000"/>
                       </a:solidFill>
@@ -33610,7 +31711,7 @@
                 </a:ln>
                 <a:extLst>
                   <a:ext uri="{91240B29-F687-4f45-9708-019B960494DF}">
-                    <a14:hiddenLine xmlns="" xmlns:a14="http://schemas.microsoft.com/office/drawing/2010/main" w="9525">
+                    <a14:hiddenLine xmlns:a14="http://schemas.microsoft.com/office/drawing/2010/main" xmlns="" w="9525">
                       <a:solidFill>
                         <a:srgbClr val="000000"/>
                       </a:solidFill>
@@ -33668,14 +31769,14 @@
                 </a:ln>
                 <a:extLst>
                   <a:ext uri="{909E8E84-426E-40dd-AFC4-6F175D3DCCD1}">
-                    <a14:hiddenFill xmlns="" xmlns:a14="http://schemas.microsoft.com/office/drawing/2010/main">
+                    <a14:hiddenFill xmlns:a14="http://schemas.microsoft.com/office/drawing/2010/main" xmlns="">
                       <a:solidFill>
                         <a:srgbClr val="FFFFFF"/>
                       </a:solidFill>
                     </a14:hiddenFill>
                   </a:ext>
                   <a:ext uri="{91240B29-F687-4f45-9708-019B960494DF}">
-                    <a14:hiddenLine xmlns="" xmlns:a14="http://schemas.microsoft.com/office/drawing/2010/main" w="9525">
+                    <a14:hiddenLine xmlns:a14="http://schemas.microsoft.com/office/drawing/2010/main" xmlns="" w="9525">
                       <a:solidFill>
                         <a:srgbClr val="000000"/>
                       </a:solidFill>
@@ -33735,7 +31836,7 @@
                 </a:ln>
                 <a:extLst>
                   <a:ext uri="{91240B29-F687-4f45-9708-019B960494DF}">
-                    <a14:hiddenLine xmlns="" xmlns:a14="http://schemas.microsoft.com/office/drawing/2010/main" w="9525">
+                    <a14:hiddenLine xmlns:a14="http://schemas.microsoft.com/office/drawing/2010/main" xmlns="" w="9525">
                       <a:solidFill>
                         <a:srgbClr val="000000"/>
                       </a:solidFill>
@@ -33795,7 +31896,7 @@
                 </a:ln>
                 <a:extLst>
                   <a:ext uri="{91240B29-F687-4f45-9708-019B960494DF}">
-                    <a14:hiddenLine xmlns="" xmlns:a14="http://schemas.microsoft.com/office/drawing/2010/main" w="9525">
+                    <a14:hiddenLine xmlns:a14="http://schemas.microsoft.com/office/drawing/2010/main" xmlns="" w="9525">
                       <a:solidFill>
                         <a:srgbClr val="000000"/>
                       </a:solidFill>
@@ -33855,7 +31956,7 @@
                 </a:ln>
                 <a:extLst>
                   <a:ext uri="{91240B29-F687-4f45-9708-019B960494DF}">
-                    <a14:hiddenLine xmlns="" xmlns:a14="http://schemas.microsoft.com/office/drawing/2010/main" w="9525">
+                    <a14:hiddenLine xmlns:a14="http://schemas.microsoft.com/office/drawing/2010/main" xmlns="" w="9525">
                       <a:solidFill>
                         <a:srgbClr val="000000"/>
                       </a:solidFill>
@@ -33915,7 +32016,7 @@
                 </a:ln>
                 <a:extLst>
                   <a:ext uri="{91240B29-F687-4f45-9708-019B960494DF}">
-                    <a14:hiddenLine xmlns="" xmlns:a14="http://schemas.microsoft.com/office/drawing/2010/main" w="9525">
+                    <a14:hiddenLine xmlns:a14="http://schemas.microsoft.com/office/drawing/2010/main" xmlns="" w="9525">
                       <a:solidFill>
                         <a:srgbClr val="000000"/>
                       </a:solidFill>
@@ -33975,7 +32076,7 @@
                 </a:ln>
                 <a:extLst>
                   <a:ext uri="{91240B29-F687-4f45-9708-019B960494DF}">
-                    <a14:hiddenLine xmlns="" xmlns:a14="http://schemas.microsoft.com/office/drawing/2010/main" w="9525">
+                    <a14:hiddenLine xmlns:a14="http://schemas.microsoft.com/office/drawing/2010/main" xmlns="" w="9525">
                       <a:solidFill>
                         <a:srgbClr val="000000"/>
                       </a:solidFill>
@@ -34035,7 +32136,7 @@
                 </a:ln>
                 <a:extLst>
                   <a:ext uri="{91240B29-F687-4f45-9708-019B960494DF}">
-                    <a14:hiddenLine xmlns="" xmlns:a14="http://schemas.microsoft.com/office/drawing/2010/main" w="9525">
+                    <a14:hiddenLine xmlns:a14="http://schemas.microsoft.com/office/drawing/2010/main" xmlns="" w="9525">
                       <a:solidFill>
                         <a:srgbClr val="000000"/>
                       </a:solidFill>
@@ -34095,7 +32196,7 @@
                 </a:ln>
                 <a:extLst>
                   <a:ext uri="{91240B29-F687-4f45-9708-019B960494DF}">
-                    <a14:hiddenLine xmlns="" xmlns:a14="http://schemas.microsoft.com/office/drawing/2010/main" w="9525">
+                    <a14:hiddenLine xmlns:a14="http://schemas.microsoft.com/office/drawing/2010/main" xmlns="" w="9525">
                       <a:solidFill>
                         <a:srgbClr val="000000"/>
                       </a:solidFill>
@@ -43888,383 +41989,28 @@
           <a:chExt cx="0" cy="0"/>
         </a:xfrm>
       </p:grpSpPr>
-      <p:sp>
-        <p:nvSpPr>
-          <p:cNvPr id="2" name="Title 1"/>
-          <p:cNvSpPr>
-            <a:spLocks noGrp="1"/>
-          </p:cNvSpPr>
-          <p:nvPr>
-            <p:ph type="title"/>
-          </p:nvPr>
-        </p:nvSpPr>
-        <p:spPr/>
-        <p:txBody>
-          <a:bodyPr/>
-          <a:lstStyle/>
-          <a:p>
-            <a:r>
-              <a:rPr lang="en-US" smtClean="0"/>
-              <a:t>Automation in the portal</a:t>
-            </a:r>
-            <a:endParaRPr lang="en-US" dirty="0"/>
-          </a:p>
-        </p:txBody>
-      </p:sp>
-      <p:sp>
-        <p:nvSpPr>
-          <p:cNvPr id="5" name="Text Placeholder 4"/>
-          <p:cNvSpPr>
-            <a:spLocks noGrp="1"/>
-          </p:cNvSpPr>
-          <p:nvPr>
-            <p:ph sz="quarter" idx="12"/>
-          </p:nvPr>
-        </p:nvSpPr>
-        <p:spPr/>
-        <p:txBody>
-          <a:bodyPr>
-            <a:normAutofit fontScale="92500" lnSpcReduction="10000"/>
-          </a:bodyPr>
-          <a:lstStyle/>
-          <a:p>
-            <a:r>
-              <a:rPr lang="en-US" dirty="0" smtClean="0"/>
-              <a:t>Features</a:t>
-            </a:r>
-          </a:p>
-          <a:p>
-            <a:pPr lvl="1"/>
-            <a:r>
-              <a:rPr lang="en-US" dirty="0" smtClean="0"/>
-              <a:t>PowerShell runbook editor</a:t>
-            </a:r>
-          </a:p>
-          <a:p>
-            <a:pPr lvl="1"/>
-            <a:r>
-              <a:rPr lang="en-US" dirty="0" smtClean="0"/>
-              <a:t>Test &amp; publish runbooks</a:t>
-            </a:r>
-          </a:p>
-          <a:p>
-            <a:pPr lvl="1"/>
-            <a:r>
-              <a:rPr lang="en-US" dirty="0" smtClean="0"/>
-              <a:t>Monitor &amp; troubleshoot </a:t>
-            </a:r>
-            <a:br>
-              <a:rPr lang="en-US" dirty="0" smtClean="0"/>
-            </a:br>
-            <a:r>
-              <a:rPr lang="en-US" dirty="0" smtClean="0"/>
-              <a:t>production jobs</a:t>
-            </a:r>
-          </a:p>
-          <a:p>
-            <a:pPr lvl="1"/>
-            <a:r>
-              <a:rPr lang="en-US" dirty="0" smtClean="0"/>
-              <a:t>Runbook Gallery </a:t>
-            </a:r>
-          </a:p>
-          <a:p>
-            <a:r>
-              <a:rPr lang="en-US" dirty="0" smtClean="0"/>
-              <a:t>Resources</a:t>
-            </a:r>
-          </a:p>
-          <a:p>
-            <a:pPr lvl="1"/>
-            <a:r>
-              <a:rPr lang="en-US" dirty="0" smtClean="0"/>
-              <a:t>Runbooks</a:t>
-            </a:r>
-          </a:p>
-          <a:p>
-            <a:pPr lvl="1"/>
-            <a:r>
-              <a:rPr lang="en-US" dirty="0" smtClean="0"/>
-              <a:t>Jobs</a:t>
-            </a:r>
-          </a:p>
-          <a:p>
-            <a:pPr lvl="1"/>
-            <a:r>
-              <a:rPr lang="en-US" dirty="0" smtClean="0"/>
-              <a:t>Modules</a:t>
-            </a:r>
-          </a:p>
-          <a:p>
-            <a:pPr lvl="1"/>
-            <a:r>
-              <a:rPr lang="en-US" dirty="0" smtClean="0"/>
-              <a:t>Schedules</a:t>
-            </a:r>
-          </a:p>
-          <a:p>
-            <a:pPr lvl="1"/>
-            <a:r>
-              <a:rPr lang="en-US" dirty="0" smtClean="0"/>
-              <a:t>Certificates, variables, </a:t>
-            </a:r>
-            <a:br>
-              <a:rPr lang="en-US" dirty="0" smtClean="0"/>
-            </a:br>
-            <a:r>
-              <a:rPr lang="en-US" dirty="0" smtClean="0"/>
-              <a:t>credentials, connections</a:t>
-            </a:r>
-          </a:p>
-        </p:txBody>
-      </p:sp>
-      <p:pic>
-        <p:nvPicPr>
-          <p:cNvPr id="3" name="Picture 2"/>
-          <p:cNvPicPr>
-            <a:picLocks noChangeAspect="1"/>
-          </p:cNvPicPr>
-          <p:nvPr/>
-        </p:nvPicPr>
-        <p:blipFill>
-          <a:blip r:embed="rId3"/>
-          <a:stretch>
-            <a:fillRect/>
-          </a:stretch>
-        </p:blipFill>
-        <p:spPr>
-          <a:xfrm>
-            <a:off x="5837237" y="1550969"/>
-            <a:ext cx="6098366" cy="4841893"/>
-          </a:xfrm>
-          <a:prstGeom prst="rect">
-            <a:avLst/>
-          </a:prstGeom>
-          <a:scene3d>
-            <a:camera prst="perspectiveLeft"/>
-            <a:lightRig rig="threePt" dir="t"/>
-          </a:scene3d>
-        </p:spPr>
-      </p:pic>
     </p:spTree>
     <p:extLst>
       <p:ext uri="{BB962C8B-B14F-4D97-AF65-F5344CB8AC3E}">
-        <p14:creationId xmlns:p14="http://schemas.microsoft.com/office/powerpoint/2010/main" val="213103026"/>
+        <p14:creationId xmlns:p14="http://schemas.microsoft.com/office/powerpoint/2010/main" val="1169096581"/>
       </p:ext>
     </p:extLst>
   </p:cSld>
   <p:clrMapOvr>
     <a:masterClrMapping/>
   </p:clrMapOvr>
-  <p:transition>
-    <p:fade/>
-  </p:transition>
-  <p:timing>
-    <p:tnLst>
-      <p:par>
-        <p:cTn id="1" dur="indefinite" restart="never" nodeType="tmRoot"/>
-      </p:par>
-    </p:tnLst>
-  </p:timing>
-</p:sld>
-</file>
-
-<file path=ppt/slides/slide9.xml><?xml version="1.0" encoding="utf-8"?>
-<p:sld xmlns:a="http://schemas.openxmlformats.org/drawingml/2006/main" xmlns:r="http://schemas.openxmlformats.org/officeDocument/2006/relationships" xmlns:p="http://schemas.openxmlformats.org/presentationml/2006/main">
-  <p:cSld>
-    <p:spTree>
-      <p:nvGrpSpPr>
-        <p:cNvPr id="1" name=""/>
-        <p:cNvGrpSpPr/>
-        <p:nvPr/>
-      </p:nvGrpSpPr>
-      <p:grpSpPr>
-        <a:xfrm>
-          <a:off x="0" y="0"/>
-          <a:ext cx="0" cy="0"/>
-          <a:chOff x="0" y="0"/>
-          <a:chExt cx="0" cy="0"/>
-        </a:xfrm>
-      </p:grpSpPr>
-      <p:sp>
-        <p:nvSpPr>
-          <p:cNvPr id="7" name="Title 2"/>
-          <p:cNvSpPr txBox="1">
-            <a:spLocks/>
-          </p:cNvSpPr>
-          <p:nvPr/>
-        </p:nvSpPr>
-        <p:spPr>
-          <a:xfrm>
-            <a:off x="324592" y="411961"/>
-            <a:ext cx="5638798" cy="917575"/>
-          </a:xfrm>
-          <a:prstGeom prst="rect">
-            <a:avLst/>
-          </a:prstGeom>
-        </p:spPr>
-        <p:txBody>
-          <a:bodyPr vert="horz" wrap="square" lIns="146304" tIns="91440" rIns="146304" bIns="91440" rtlCol="0" anchor="t">
-            <a:noAutofit/>
-          </a:bodyPr>
-          <a:lstStyle>
-            <a:lvl1pPr algn="l" defTabSz="932667" rtl="0" eaLnBrk="1" latinLnBrk="0" hangingPunct="1">
-              <a:lnSpc>
-                <a:spcPct val="90000"/>
-              </a:lnSpc>
-              <a:spcBef>
-                <a:spcPct val="0"/>
-              </a:spcBef>
-              <a:buNone/>
-              <a:defRPr lang="en-US" sz="4800" b="0" kern="1200" cap="none" spc="-102" baseline="0" dirty="0" smtClean="0">
-                <a:ln w="3175">
-                  <a:noFill/>
-                </a:ln>
-                <a:gradFill>
-                  <a:gsLst>
-                    <a:gs pos="1250">
-                      <a:schemeClr val="tx1"/>
-                    </a:gs>
-                    <a:gs pos="100000">
-                      <a:schemeClr val="tx1"/>
-                    </a:gs>
-                  </a:gsLst>
-                  <a:lin ang="5400000" scaled="0"/>
-                </a:gradFill>
-                <a:effectLst/>
-                <a:latin typeface="+mj-lt"/>
-                <a:ea typeface="+mn-ea"/>
-                <a:cs typeface="Segoe UI" pitchFamily="34" charset="0"/>
-              </a:defRPr>
-            </a:lvl1pPr>
-          </a:lstStyle>
-          <a:p>
-            <a:endParaRPr lang="en-US" dirty="0">
-              <a:solidFill>
-                <a:srgbClr val="B4A0FF"/>
-              </a:solidFill>
-            </a:endParaRPr>
-          </a:p>
-        </p:txBody>
-      </p:sp>
-      <p:sp>
-        <p:nvSpPr>
-          <p:cNvPr id="9" name="Titel 8"/>
-          <p:cNvSpPr>
-            <a:spLocks noGrp="1"/>
-          </p:cNvSpPr>
-          <p:nvPr>
-            <p:ph type="title"/>
-          </p:nvPr>
-        </p:nvSpPr>
-        <p:spPr/>
-        <p:txBody>
-          <a:bodyPr/>
-          <a:lstStyle/>
-          <a:p>
-            <a:r>
-              <a:rPr lang="en-US" smtClean="0"/>
-              <a:t>Automation Concepts</a:t>
-            </a:r>
-            <a:br>
-              <a:rPr lang="en-US" smtClean="0"/>
-            </a:br>
-            <a:endParaRPr lang="de-DE" dirty="0"/>
-          </a:p>
-        </p:txBody>
-      </p:sp>
-      <p:sp>
-        <p:nvSpPr>
-          <p:cNvPr id="4" name="Text Placeholder 3"/>
-          <p:cNvSpPr>
-            <a:spLocks noGrp="1"/>
-          </p:cNvSpPr>
-          <p:nvPr>
-            <p:ph sz="quarter" idx="12"/>
-          </p:nvPr>
-        </p:nvSpPr>
-        <p:spPr/>
-        <p:txBody>
-          <a:bodyPr/>
-          <a:lstStyle/>
-          <a:p>
-            <a:r>
-              <a:rPr lang="en-US" smtClean="0"/>
-              <a:t>Core Automation resources</a:t>
-            </a:r>
-          </a:p>
-          <a:p>
-            <a:pPr lvl="1"/>
-            <a:r>
-              <a:rPr lang="en-US" smtClean="0"/>
-              <a:t>Runbooks: textual and graphical</a:t>
-            </a:r>
-          </a:p>
-          <a:p>
-            <a:pPr lvl="1"/>
-            <a:r>
-              <a:rPr lang="en-US" smtClean="0"/>
-              <a:t>Runbook Jobs</a:t>
-            </a:r>
-          </a:p>
-          <a:p>
-            <a:pPr lvl="1"/>
-            <a:endParaRPr lang="en-US" smtClean="0"/>
-          </a:p>
-          <a:p>
-            <a:pPr lvl="1"/>
-            <a:endParaRPr lang="en-US" smtClean="0"/>
-          </a:p>
-          <a:p>
-            <a:r>
-              <a:rPr lang="en-US" smtClean="0"/>
-              <a:t>Automation resources used by runbooks</a:t>
-            </a:r>
-          </a:p>
-          <a:p>
-            <a:pPr lvl="1"/>
-            <a:r>
-              <a:rPr lang="en-US" smtClean="0"/>
-              <a:t>Runbook triggers: schedules, and webhooks  </a:t>
-            </a:r>
-          </a:p>
-          <a:p>
-            <a:pPr lvl="1"/>
-            <a:r>
-              <a:rPr lang="en-US" smtClean="0"/>
-              <a:t>Modules, Certificates, Connections, Variables, Credentials</a:t>
-            </a:r>
-          </a:p>
-          <a:p>
-            <a:pPr lvl="1"/>
-            <a:r>
-              <a:rPr lang="en-US" smtClean="0"/>
-              <a:t>DSC Configurations (coming soon to the portal!)</a:t>
-            </a:r>
-          </a:p>
-          <a:p>
-            <a:pPr lvl="1"/>
-            <a:r>
-              <a:rPr lang="en-US" smtClean="0"/>
-              <a:t>Hybrid Runbook Workers</a:t>
-            </a:r>
-            <a:endParaRPr lang="en-US" dirty="0" smtClean="0"/>
-          </a:p>
-        </p:txBody>
-      </p:sp>
-    </p:spTree>
-    <p:extLst>
-      <p:ext uri="{BB962C8B-B14F-4D97-AF65-F5344CB8AC3E}">
-        <p14:creationId xmlns:p14="http://schemas.microsoft.com/office/powerpoint/2010/main" val="921104381"/>
-      </p:ext>
-    </p:extLst>
-  </p:cSld>
-  <p:clrMapOvr>
-    <a:masterClrMapping/>
-  </p:clrMapOvr>
-  <p:transition>
-    <p:fade/>
-  </p:transition>
+  <mc:AlternateContent xmlns:mc="http://schemas.openxmlformats.org/markup-compatibility/2006" xmlns:p14="http://schemas.microsoft.com/office/powerpoint/2010/main">
+    <mc:Choice Requires="p14">
+      <p:transition spd="med" p14:dur="700">
+        <p:fade/>
+      </p:transition>
+    </mc:Choice>
+    <mc:Fallback xmlns="">
+      <p:transition spd="med">
+        <p:fade/>
+      </p:transition>
+    </mc:Fallback>
+  </mc:AlternateContent>
   <p:timing>
     <p:tnLst>
       <p:par>
@@ -45088,277 +42834,8 @@
 </file>
 
 <file path=customXml/item1.xml><?xml version="1.0" encoding="utf-8"?>
-<p:properties xmlns:p="http://schemas.microsoft.com/office/2006/metadata/properties" xmlns:xsi="http://www.w3.org/2001/XMLSchema-instance" xmlns:pc="http://schemas.microsoft.com/office/infopath/2007/PartnerControls">
-  <documentManagement>
-    <DocumentDescription xmlns="4e240d41-6d38-4eac-9584-b3f543b50010">Use this deck as the main EBC and Azure Overview deck.  Customize the deck as needed (additional slides in the appendix).  This deck should be delivered with the supporting demo’s and is scoped at the decision makers within IT.</DocumentDescription>
-    <h1e7aaa5788c480c922636922fec8914 xmlns="4e240d41-6d38-4eac-9584-b3f543b50010">
-      <Terms xmlns="http://schemas.microsoft.com/office/infopath/2007/PartnerControls"/>
-    </h1e7aaa5788c480c922636922fec8914>
-    <AudiencesTaxHTField0 xmlns="4e240d41-6d38-4eac-9584-b3f543b50010">
-      <Terms xmlns="http://schemas.microsoft.com/office/infopath/2007/PartnerControls">
-        <TermInfo xmlns="http://schemas.microsoft.com/office/infopath/2007/PartnerControls">
-          <TermName xmlns="http://schemas.microsoft.com/office/infopath/2007/PartnerControls">business decision makers</TermName>
-          <TermId xmlns="http://schemas.microsoft.com/office/infopath/2007/PartnerControls">c5581652-6887-44c0-9e7e-d38ca54728bd</TermId>
-        </TermInfo>
-        <TermInfo xmlns="http://schemas.microsoft.com/office/infopath/2007/PartnerControls">
-          <TermName xmlns="http://schemas.microsoft.com/office/infopath/2007/PartnerControls">IT decision makers</TermName>
-          <TermId xmlns="http://schemas.microsoft.com/office/infopath/2007/PartnerControls">9b4e6e74-580c-4c34-b4d3-48674047e67e</TermId>
-        </TermInfo>
-      </Terms>
-    </AudiencesTaxHTField0>
-    <SegmentsTaxHTField0 xmlns="4e240d41-6d38-4eac-9584-b3f543b50010">
-      <Terms xmlns="http://schemas.microsoft.com/office/infopath/2007/PartnerControls"/>
-    </SegmentsTaxHTField0>
-    <Expire_x0020_Review xmlns="4e240d41-6d38-4eac-9584-b3f543b50010">2016-08-23T07:00:00+00:00</Expire_x0020_Review>
-    <TopicsTaxHTField0 xmlns="4e240d41-6d38-4eac-9584-b3f543b50010">
-      <Terms xmlns="http://schemas.microsoft.com/office/infopath/2007/PartnerControls">
-        <TermInfo xmlns="http://schemas.microsoft.com/office/infopath/2007/PartnerControls">
-          <TermName xmlns="http://schemas.microsoft.com/office/infopath/2007/PartnerControls">readiness</TermName>
-          <TermId xmlns="http://schemas.microsoft.com/office/infopath/2007/PartnerControls">0bad9107-5243-4424-8599-de9537dda9af</TermId>
-        </TermInfo>
-        <TermInfo xmlns="http://schemas.microsoft.com/office/infopath/2007/PartnerControls">
-          <TermName xmlns="http://schemas.microsoft.com/office/infopath/2007/PartnerControls">hub subset</TermName>
-          <TermId xmlns="http://schemas.microsoft.com/office/infopath/2007/PartnerControls">c6bfd112-b986-4a0a-aa8d-90e767bfdfa6</TermId>
-        </TermInfo>
-        <TermInfo xmlns="http://schemas.microsoft.com/office/infopath/2007/PartnerControls">
-          <TermName xmlns="http://schemas.microsoft.com/office/infopath/2007/PartnerControls">inside sales</TermName>
-          <TermId xmlns="http://schemas.microsoft.com/office/infopath/2007/PartnerControls">7c476b68-6f84-4a80-9930-2286afc962a8</TermId>
-        </TermInfo>
-      </Terms>
-    </TopicsTaxHTField0>
-    <_dlc_DocId xmlns="230e9df3-be65-4c73-a93b-d1236ebd677e">KC00-15-210934</_dlc_DocId>
-    <Thumbnail1 xmlns="4e240d41-6d38-4eac-9584-b3f543b50010">
-      <Url>http://infopedia/kc02/media/Thumbnails/Microsoft%20Azure%20Domain/KC00-15-107844/azure.PNG</Url>
-      <Description>/kc02/media/Thumbnails/Microsoft Azure Domain/KC00-15-107844/azure.PNG</Description>
-    </Thumbnail1>
-    <AverageRating xmlns="http://schemas.microsoft.com/sharepoint/v3" xsi:nil="true"/>
-    <TaxKeywordTaxHTField xmlns="230e9df3-be65-4c73-a93b-d1236ebd677e">
-      <Terms xmlns="http://schemas.microsoft.com/office/infopath/2007/PartnerControls"/>
-    </TaxKeywordTaxHTField>
-    <TagTemplate xmlns="4e240d41-6d38-4eac-9584-b3f543b50010" xsi:nil="true"/>
-    <PublishDate xmlns="4e240d41-6d38-4eac-9584-b3f543b50010" xsi:nil="true"/>
-    <DocumentSetKcId xmlns="7b813d5f-7206-4d46-95a5-a58185f478af">107844</DocumentSetKcId>
-    <RoutingRuleDescription xmlns="http://schemas.microsoft.com/sharepoint/v3" xsi:nil="true"/>
-    <CompetitorsTaxHTField0 xmlns="4e240d41-6d38-4eac-9584-b3f543b50010">
-      <Terms xmlns="http://schemas.microsoft.com/office/infopath/2007/PartnerControls"/>
-    </CompetitorsTaxHTField0>
-    <IconOverlay xmlns="http://schemas.microsoft.com/sharepoint/v4" xsi:nil="true"/>
-    <Owner xmlns="4e240d41-6d38-4eac-9584-b3f543b50010">
-      <UserInfo>
-        <DisplayName>Tony Meleg</DisplayName>
-        <AccountId>26501</AccountId>
-        <AccountType/>
-      </UserInfo>
-    </Owner>
-    <PublishingExpirationDate xmlns="http://schemas.microsoft.com/sharepoint/v3" xsi:nil="true"/>
-    <EnterpriseDomainTagsTaxHTField0 xmlns="4e240d41-6d38-4eac-9584-b3f543b50010">
-      <Terms xmlns="http://schemas.microsoft.com/office/infopath/2007/PartnerControls">
-        <TermInfo xmlns="http://schemas.microsoft.com/office/infopath/2007/PartnerControls">
-          <TermName xmlns="http://schemas.microsoft.com/office/infopath/2007/PartnerControls">SMSG Readiness</TermName>
-          <TermId xmlns="http://schemas.microsoft.com/office/infopath/2007/PartnerControls">c6595b84-b463-470a-bb46-2a47364645be</TermId>
-        </TermInfo>
-        <TermInfo xmlns="http://schemas.microsoft.com/office/infopath/2007/PartnerControls">
-          <TermName xmlns="http://schemas.microsoft.com/office/infopath/2007/PartnerControls">Cloud and Enterprise Marketing Group</TermName>
-          <TermId xmlns="http://schemas.microsoft.com/office/infopath/2007/PartnerControls">4f75e184-e5aa-4234-a07f-b032d60df254</TermId>
-        </TermInfo>
-      </Terms>
-    </EnterpriseDomainTagsTaxHTField0>
-    <IndustriesTaxHTField0 xmlns="4e240d41-6d38-4eac-9584-b3f543b50010">
-      <Terms xmlns="http://schemas.microsoft.com/office/infopath/2007/PartnerControls"/>
-    </IndustriesTaxHTField0>
-    <ConfidentialityTaxHTField0 xmlns="4e240d41-6d38-4eac-9584-b3f543b50010">
-      <Terms xmlns="http://schemas.microsoft.com/office/infopath/2007/PartnerControls">
-        <TermInfo xmlns="http://schemas.microsoft.com/office/infopath/2007/PartnerControls">
-          <TermName xmlns="http://schemas.microsoft.com/office/infopath/2007/PartnerControls">Microsoft confidential</TermName>
-          <TermId xmlns="http://schemas.microsoft.com/office/infopath/2007/PartnerControls">461efa83-0283-486a-a8d5-943328f3693f</TermId>
-        </TermInfo>
-      </Terms>
-    </ConfidentialityTaxHTField0>
-    <SMSGDomainTaxHTField0 xmlns="4e240d41-6d38-4eac-9584-b3f543b50010">
-      <Terms xmlns="http://schemas.microsoft.com/office/infopath/2007/PartnerControls">
-        <TermInfo xmlns="http://schemas.microsoft.com/office/infopath/2007/PartnerControls">
-          <TermName xmlns="http://schemas.microsoft.com/office/infopath/2007/PartnerControls">Microsoft Azure Domain</TermName>
-          <TermId xmlns="http://schemas.microsoft.com/office/infopath/2007/PartnerControls">d600a391-d529-4311-892b-2c05c1ab2538</TermId>
-        </TermInfo>
-        <TermInfo xmlns="http://schemas.microsoft.com/office/infopath/2007/PartnerControls">
-          <TermName xmlns="http://schemas.microsoft.com/office/infopath/2007/PartnerControls">Cloud and Enterprise</TermName>
-          <TermId xmlns="http://schemas.microsoft.com/office/infopath/2007/PartnerControls">adc2fe87-c79a-4ded-a449-3f86b954069d</TermId>
-        </TermInfo>
-        <TermInfo xmlns="http://schemas.microsoft.com/office/infopath/2007/PartnerControls">
-          <TermName xmlns="http://schemas.microsoft.com/office/infopath/2007/PartnerControls">Server and Tools Business</TermName>
-          <TermId xmlns="http://schemas.microsoft.com/office/infopath/2007/PartnerControls">6783548d-8609-4f97-be4a-4ca2616905a6</TermId>
-        </TermInfo>
-        <TermInfo xmlns="http://schemas.microsoft.com/office/infopath/2007/PartnerControls">
-          <TermName xmlns="http://schemas.microsoft.com/office/infopath/2007/PartnerControls">Sales, Marketing, Services Group</TermName>
-          <TermId xmlns="http://schemas.microsoft.com/office/infopath/2007/PartnerControls">ecda8836-afa0-40aa-878e-630e18c8fc5c</TermId>
-        </TermInfo>
-        <TermInfo xmlns="http://schemas.microsoft.com/office/infopath/2007/PartnerControls">
-          <TermName xmlns="http://schemas.microsoft.com/office/infopath/2007/PartnerControls">Telesales Domain</TermName>
-          <TermId xmlns="http://schemas.microsoft.com/office/infopath/2007/PartnerControls">04a5111f-c67b-4a6e-bf36-05714763ab37</TermId>
-        </TermInfo>
-        <TermInfo xmlns="http://schemas.microsoft.com/office/infopath/2007/PartnerControls">
-          <TermName xmlns="http://schemas.microsoft.com/office/infopath/2007/PartnerControls">China Market Domain</TermName>
-          <TermId xmlns="http://schemas.microsoft.com/office/infopath/2007/PartnerControls">01326006-a657-42bf-b23e-048a7db28273</TermId>
-        </TermInfo>
-      </Terms>
-    </SMSGDomainTaxHTField0>
-    <ItemTypeTaxHTField0 xmlns="4e240d41-6d38-4eac-9584-b3f543b50010">
-      <Terms xmlns="http://schemas.microsoft.com/office/infopath/2007/PartnerControls">
-        <TermInfo xmlns="http://schemas.microsoft.com/office/infopath/2007/PartnerControls">
-          <TermName xmlns="http://schemas.microsoft.com/office/infopath/2007/PartnerControls">customer presentations</TermName>
-          <TermId xmlns="http://schemas.microsoft.com/office/infopath/2007/PartnerControls">18e9ae94-e321-4eea-82d2-ad5b2f470f3c</TermId>
-        </TermInfo>
-      </Terms>
-    </ItemTypeTaxHTField0>
-    <_dlc_DocIdUrl xmlns="230e9df3-be65-4c73-a93b-d1236ebd677e">
-      <Url>http://infopedia/docstore/_layouts/DocIdRedir.aspx?ID=KC00-15-210934</Url>
-      <Description>KC00-15-210934</Description>
-    </_dlc_DocIdUrl>
-    <ProductsTaxHTField0 xmlns="4e240d41-6d38-4eac-9584-b3f543b50010">
-      <Terms xmlns="http://schemas.microsoft.com/office/infopath/2007/PartnerControls">
-        <TermInfo xmlns="http://schemas.microsoft.com/office/infopath/2007/PartnerControls">
-          <TermName xmlns="http://schemas.microsoft.com/office/infopath/2007/PartnerControls">Microsoft Azure platform</TermName>
-          <TermId xmlns="http://schemas.microsoft.com/office/infopath/2007/PartnerControls">df6aaec2-d07c-4319-b510-15a691aea35b</TermId>
-        </TermInfo>
-        <TermInfo xmlns="http://schemas.microsoft.com/office/infopath/2007/PartnerControls">
-          <TermName xmlns="http://schemas.microsoft.com/office/infopath/2007/PartnerControls">Microsoft Azure</TermName>
-          <TermId xmlns="http://schemas.microsoft.com/office/infopath/2007/PartnerControls">669a3112-5edf-444b-a003-630063601f07</TermId>
-        </TermInfo>
-      </Terms>
-    </ProductsTaxHTField0>
-    <RolesTaxHTField0 xmlns="4e240d41-6d38-4eac-9584-b3f543b50010">
-      <Terms xmlns="http://schemas.microsoft.com/office/infopath/2007/PartnerControls">
-        <TermInfo xmlns="http://schemas.microsoft.com/office/infopath/2007/PartnerControls">
-          <TermName xmlns="http://schemas.microsoft.com/office/infopath/2007/PartnerControls">Telesales Solution Specialist</TermName>
-          <TermId xmlns="http://schemas.microsoft.com/office/infopath/2007/PartnerControls">a293ec10-2fac-46ec-98ae-6149da09be06</TermId>
-        </TermInfo>
-        <TermInfo xmlns="http://schemas.microsoft.com/office/infopath/2007/PartnerControls">
-          <TermName xmlns="http://schemas.microsoft.com/office/infopath/2007/PartnerControls">Solution Sales</TermName>
-          <TermId xmlns="http://schemas.microsoft.com/office/infopath/2007/PartnerControls">170353c6-5135-48bf-b60a-c3b55ac67d1c</TermId>
-        </TermInfo>
-      </Terms>
-    </RolesTaxHTField0>
-    <PublishingPageContent xmlns="http://schemas.microsoft.com/sharepoint/v3" xsi:nil="true"/>
-    <fe32998799ba48dcafc127a14edc00fb xmlns="4e240d41-6d38-4eac-9584-b3f543b50010">
-      <Terms xmlns="http://schemas.microsoft.com/office/infopath/2007/PartnerControls"/>
-    </fe32998799ba48dcafc127a14edc00fb>
-    <RegionTaxHTField0 xmlns="4e240d41-6d38-4eac-9584-b3f543b50010">
-      <Terms xmlns="http://schemas.microsoft.com/office/infopath/2007/PartnerControls">
-        <TermInfo xmlns="http://schemas.microsoft.com/office/infopath/2007/PartnerControls">
-          <TermName xmlns="http://schemas.microsoft.com/office/infopath/2007/PartnerControls">China</TermName>
-          <TermId xmlns="http://schemas.microsoft.com/office/infopath/2007/PartnerControls">0f275d9d-9fcb-4bdb-9fdc-f425e5d35066</TermId>
-        </TermInfo>
-      </Terms>
-    </RegionTaxHTField0>
-    <GroupsTaxHTField0 xmlns="4e240d41-6d38-4eac-9584-b3f543b50010">
-      <Terms xmlns="http://schemas.microsoft.com/office/infopath/2007/PartnerControls">
-        <TermInfo xmlns="http://schemas.microsoft.com/office/infopath/2007/PartnerControls">
-          <TermName xmlns="http://schemas.microsoft.com/office/infopath/2007/PartnerControls">Microsoft Azure Marketing</TermName>
-          <TermId xmlns="http://schemas.microsoft.com/office/infopath/2007/PartnerControls">0958c357-5252-473f-8b4e-42f27525a99d</TermId>
-        </TermInfo>
-        <TermInfo xmlns="http://schemas.microsoft.com/office/infopath/2007/PartnerControls">
-          <TermName xmlns="http://schemas.microsoft.com/office/infopath/2007/PartnerControls">SMSG Readiness</TermName>
-          <TermId xmlns="http://schemas.microsoft.com/office/infopath/2007/PartnerControls">c6595b84-b463-470a-bb46-2a47364645be</TermId>
-        </TermInfo>
-        <TermInfo xmlns="http://schemas.microsoft.com/office/infopath/2007/PartnerControls">
-          <TermName xmlns="http://schemas.microsoft.com/office/infopath/2007/PartnerControls">Cloud and Enterprise Marketing Group</TermName>
-          <TermId xmlns="http://schemas.microsoft.com/office/infopath/2007/PartnerControls">4f75e184-e5aa-4234-a07f-b032d60df254</TermId>
-        </TermInfo>
-      </Terms>
-    </GroupsTaxHTField0>
-    <CoOwner xmlns="4e240d41-6d38-4eac-9584-b3f543b50010">
-      <UserInfo>
-        <DisplayName>i:0#.w|redmond\v-brisch</DisplayName>
-        <AccountId>39</AccountId>
-        <AccountType/>
-      </UserInfo>
-      <UserInfo>
-        <DisplayName>i:0#.w|redmond\meeryan</DisplayName>
-        <AccountId>44027</AccountId>
-        <AccountType/>
-      </UserInfo>
-      <UserInfo>
-        <DisplayName>i:0#.w|fareast\v-hesehg</DisplayName>
-        <AccountId>143284</AccountId>
-        <AccountType/>
-      </UserInfo>
-      <UserInfo>
-        <DisplayName>i:0#.w|redmond\chrisper</DisplayName>
-        <AccountId>38059</AccountId>
-        <AccountType/>
-      </UserInfo>
-      <UserInfo>
-        <DisplayName>i:0#.w|redmond\anushar</DisplayName>
-        <AccountId>22194</AccountId>
-        <AccountType/>
-      </UserInfo>
-      <UserInfo>
-        <DisplayName>i:0#.w|redmond\v-anmarv</DisplayName>
-        <AccountId>211331</AccountId>
-        <AccountType/>
-      </UserInfo>
-    </CoOwner>
-    <LanguagesTaxHTField0 xmlns="4e240d41-6d38-4eac-9584-b3f543b50010">
-      <Terms xmlns="http://schemas.microsoft.com/office/infopath/2007/PartnerControls">
-        <TermInfo xmlns="http://schemas.microsoft.com/office/infopath/2007/PartnerControls">
-          <TermName xmlns="http://schemas.microsoft.com/office/infopath/2007/PartnerControls">English</TermName>
-          <TermId xmlns="http://schemas.microsoft.com/office/infopath/2007/PartnerControls">cb91f272-ce4d-4a7e-9bbf-78b58e3d188d</TermId>
-        </TermInfo>
-      </Terms>
-    </LanguagesTaxHTField0>
-    <BusinessArchitectureTaxHTField0 xmlns="4e240d41-6d38-4eac-9584-b3f543b50010">
-      <Terms xmlns="http://schemas.microsoft.com/office/infopath/2007/PartnerControls">
-        <TermInfo xmlns="http://schemas.microsoft.com/office/infopath/2007/PartnerControls">
-          <TermName xmlns="http://schemas.microsoft.com/office/infopath/2007/PartnerControls">Cloud Platform (sales theme)</TermName>
-          <TermId xmlns="http://schemas.microsoft.com/office/infopath/2007/PartnerControls">ec248454-62d9-485e-995d-0cfad61f7f4c</TermId>
-        </TermInfo>
-      </Terms>
-    </BusinessArchitectureTaxHTField0>
-    <PartnersTaxHTField0 xmlns="4e240d41-6d38-4eac-9584-b3f543b50010">
-      <Terms xmlns="http://schemas.microsoft.com/office/infopath/2007/PartnerControls"/>
-    </PartnersTaxHTField0>
-    <ActivitiesAndProgramsTaxHTField0 xmlns="4e240d41-6d38-4eac-9584-b3f543b50010">
-      <Terms xmlns="http://schemas.microsoft.com/office/infopath/2007/PartnerControls">
-        <TermInfo xmlns="http://schemas.microsoft.com/office/infopath/2007/PartnerControls">
-          <TermName xmlns="http://schemas.microsoft.com/office/infopath/2007/PartnerControls">Executive Briefing Center</TermName>
-          <TermId xmlns="http://schemas.microsoft.com/office/infopath/2007/PartnerControls">f6f45d27-6c93-466a-8cd5-2846af886eb9</TermId>
-        </TermInfo>
-        <TermInfo xmlns="http://schemas.microsoft.com/office/infopath/2007/PartnerControls">
-          <TermName xmlns="http://schemas.microsoft.com/office/infopath/2007/PartnerControls">Worldwide Inside Sales Readiness</TermName>
-          <TermId xmlns="http://schemas.microsoft.com/office/infopath/2007/PartnerControls">3a4e01ea-907e-4f11-9b1b-2424e207e8d1</TermId>
-        </TermInfo>
-      </Terms>
-    </ActivitiesAndProgramsTaxHTField0>
-    <ApplyWorkflowRules xmlns="4e240d41-6d38-4eac-9584-b3f543b50010">Yes</ApplyWorkflowRules>
-    <TaxCatchAll xmlns="230e9df3-be65-4c73-a93b-d1236ebd677e">
-      <Value>20682</Value>
-      <Value>18422</Value>
-      <Value>13833</Value>
-      <Value>10205</Value>
-      <Value>10056</Value>
-      <Value>13755</Value>
-      <Value>20050</Value>
-      <Value>10052</Value>
-      <Value>18906</Value>
-      <Value>20557</Value>
-      <Value>21</Value>
-      <Value>14856</Value>
-      <Value>12938</Value>
-      <Value>18442</Value>
-      <Value>19685</Value>
-      <Value>10077</Value>
-      <Value>20954</Value>
-      <Value>17845</Value>
-      <Value>20730</Value>
-      <Value>19399</Value>
-      <Value>10849</Value>
-      <Value>10921</Value>
-      <Value>15579</Value>
-      <Value>17058</Value>
-      <Value>13172</Value>
-    </TaxCatchAll>
-  </documentManagement>
-</p:properties>
+<?mso-contentType ?>
+<SharedContentType xmlns="Microsoft.SharePoint.Taxonomy.ContentTypeSync" SourceId="e385fb40-52d4-4fae-9c5b-3e8ff8a5878e" ContentTypeId="0x010100FF1FAB0DEDE9AF4ABA57B67AF4A9F321" PreviousValue="false"/>
 </file>
 
 <file path=customXml/item2.xml><?xml version="1.0" encoding="utf-8"?>
@@ -45857,11 +43334,289 @@
 </file>
 
 <file path=customXml/item3.xml><?xml version="1.0" encoding="utf-8"?>
-<?mso-contentType ?>
-<SharedContentType xmlns="Microsoft.SharePoint.Taxonomy.ContentTypeSync" SourceId="e385fb40-52d4-4fae-9c5b-3e8ff8a5878e" ContentTypeId="0x010100FF1FAB0DEDE9AF4ABA57B67AF4A9F321" PreviousValue="false"/>
+<p:properties xmlns:p="http://schemas.microsoft.com/office/2006/metadata/properties" xmlns:xsi="http://www.w3.org/2001/XMLSchema-instance" xmlns:pc="http://schemas.microsoft.com/office/infopath/2007/PartnerControls">
+  <documentManagement>
+    <DocumentDescription xmlns="4e240d41-6d38-4eac-9584-b3f543b50010">Use this deck as the main EBC and Azure Overview deck.  Customize the deck as needed (additional slides in the appendix).  This deck should be delivered with the supporting demo’s and is scoped at the decision makers within IT.</DocumentDescription>
+    <h1e7aaa5788c480c922636922fec8914 xmlns="4e240d41-6d38-4eac-9584-b3f543b50010">
+      <Terms xmlns="http://schemas.microsoft.com/office/infopath/2007/PartnerControls"/>
+    </h1e7aaa5788c480c922636922fec8914>
+    <AudiencesTaxHTField0 xmlns="4e240d41-6d38-4eac-9584-b3f543b50010">
+      <Terms xmlns="http://schemas.microsoft.com/office/infopath/2007/PartnerControls">
+        <TermInfo xmlns="http://schemas.microsoft.com/office/infopath/2007/PartnerControls">
+          <TermName xmlns="http://schemas.microsoft.com/office/infopath/2007/PartnerControls">business decision makers</TermName>
+          <TermId xmlns="http://schemas.microsoft.com/office/infopath/2007/PartnerControls">c5581652-6887-44c0-9e7e-d38ca54728bd</TermId>
+        </TermInfo>
+        <TermInfo xmlns="http://schemas.microsoft.com/office/infopath/2007/PartnerControls">
+          <TermName xmlns="http://schemas.microsoft.com/office/infopath/2007/PartnerControls">IT decision makers</TermName>
+          <TermId xmlns="http://schemas.microsoft.com/office/infopath/2007/PartnerControls">9b4e6e74-580c-4c34-b4d3-48674047e67e</TermId>
+        </TermInfo>
+      </Terms>
+    </AudiencesTaxHTField0>
+    <SegmentsTaxHTField0 xmlns="4e240d41-6d38-4eac-9584-b3f543b50010">
+      <Terms xmlns="http://schemas.microsoft.com/office/infopath/2007/PartnerControls"/>
+    </SegmentsTaxHTField0>
+    <Expire_x0020_Review xmlns="4e240d41-6d38-4eac-9584-b3f543b50010">2016-08-23T07:00:00+00:00</Expire_x0020_Review>
+    <TopicsTaxHTField0 xmlns="4e240d41-6d38-4eac-9584-b3f543b50010">
+      <Terms xmlns="http://schemas.microsoft.com/office/infopath/2007/PartnerControls">
+        <TermInfo xmlns="http://schemas.microsoft.com/office/infopath/2007/PartnerControls">
+          <TermName xmlns="http://schemas.microsoft.com/office/infopath/2007/PartnerControls">readiness</TermName>
+          <TermId xmlns="http://schemas.microsoft.com/office/infopath/2007/PartnerControls">0bad9107-5243-4424-8599-de9537dda9af</TermId>
+        </TermInfo>
+        <TermInfo xmlns="http://schemas.microsoft.com/office/infopath/2007/PartnerControls">
+          <TermName xmlns="http://schemas.microsoft.com/office/infopath/2007/PartnerControls">hub subset</TermName>
+          <TermId xmlns="http://schemas.microsoft.com/office/infopath/2007/PartnerControls">c6bfd112-b986-4a0a-aa8d-90e767bfdfa6</TermId>
+        </TermInfo>
+        <TermInfo xmlns="http://schemas.microsoft.com/office/infopath/2007/PartnerControls">
+          <TermName xmlns="http://schemas.microsoft.com/office/infopath/2007/PartnerControls">inside sales</TermName>
+          <TermId xmlns="http://schemas.microsoft.com/office/infopath/2007/PartnerControls">7c476b68-6f84-4a80-9930-2286afc962a8</TermId>
+        </TermInfo>
+      </Terms>
+    </TopicsTaxHTField0>
+    <_dlc_DocId xmlns="230e9df3-be65-4c73-a93b-d1236ebd677e">KC00-15-210934</_dlc_DocId>
+    <Thumbnail1 xmlns="4e240d41-6d38-4eac-9584-b3f543b50010">
+      <Url>http://infopedia/kc02/media/Thumbnails/Microsoft%20Azure%20Domain/KC00-15-107844/azure.PNG</Url>
+      <Description>/kc02/media/Thumbnails/Microsoft Azure Domain/KC00-15-107844/azure.PNG</Description>
+    </Thumbnail1>
+    <AverageRating xmlns="http://schemas.microsoft.com/sharepoint/v3" xsi:nil="true"/>
+    <TaxKeywordTaxHTField xmlns="230e9df3-be65-4c73-a93b-d1236ebd677e">
+      <Terms xmlns="http://schemas.microsoft.com/office/infopath/2007/PartnerControls"/>
+    </TaxKeywordTaxHTField>
+    <TagTemplate xmlns="4e240d41-6d38-4eac-9584-b3f543b50010" xsi:nil="true"/>
+    <PublishDate xmlns="4e240d41-6d38-4eac-9584-b3f543b50010" xsi:nil="true"/>
+    <DocumentSetKcId xmlns="7b813d5f-7206-4d46-95a5-a58185f478af">107844</DocumentSetKcId>
+    <RoutingRuleDescription xmlns="http://schemas.microsoft.com/sharepoint/v3" xsi:nil="true"/>
+    <CompetitorsTaxHTField0 xmlns="4e240d41-6d38-4eac-9584-b3f543b50010">
+      <Terms xmlns="http://schemas.microsoft.com/office/infopath/2007/PartnerControls"/>
+    </CompetitorsTaxHTField0>
+    <IconOverlay xmlns="http://schemas.microsoft.com/sharepoint/v4" xsi:nil="true"/>
+    <Owner xmlns="4e240d41-6d38-4eac-9584-b3f543b50010">
+      <UserInfo>
+        <DisplayName>Tony Meleg</DisplayName>
+        <AccountId>26501</AccountId>
+        <AccountType/>
+      </UserInfo>
+    </Owner>
+    <PublishingExpirationDate xmlns="http://schemas.microsoft.com/sharepoint/v3" xsi:nil="true"/>
+    <EnterpriseDomainTagsTaxHTField0 xmlns="4e240d41-6d38-4eac-9584-b3f543b50010">
+      <Terms xmlns="http://schemas.microsoft.com/office/infopath/2007/PartnerControls">
+        <TermInfo xmlns="http://schemas.microsoft.com/office/infopath/2007/PartnerControls">
+          <TermName xmlns="http://schemas.microsoft.com/office/infopath/2007/PartnerControls">SMSG Readiness</TermName>
+          <TermId xmlns="http://schemas.microsoft.com/office/infopath/2007/PartnerControls">c6595b84-b463-470a-bb46-2a47364645be</TermId>
+        </TermInfo>
+        <TermInfo xmlns="http://schemas.microsoft.com/office/infopath/2007/PartnerControls">
+          <TermName xmlns="http://schemas.microsoft.com/office/infopath/2007/PartnerControls">Cloud and Enterprise Marketing Group</TermName>
+          <TermId xmlns="http://schemas.microsoft.com/office/infopath/2007/PartnerControls">4f75e184-e5aa-4234-a07f-b032d60df254</TermId>
+        </TermInfo>
+      </Terms>
+    </EnterpriseDomainTagsTaxHTField0>
+    <IndustriesTaxHTField0 xmlns="4e240d41-6d38-4eac-9584-b3f543b50010">
+      <Terms xmlns="http://schemas.microsoft.com/office/infopath/2007/PartnerControls"/>
+    </IndustriesTaxHTField0>
+    <ConfidentialityTaxHTField0 xmlns="4e240d41-6d38-4eac-9584-b3f543b50010">
+      <Terms xmlns="http://schemas.microsoft.com/office/infopath/2007/PartnerControls">
+        <TermInfo xmlns="http://schemas.microsoft.com/office/infopath/2007/PartnerControls">
+          <TermName xmlns="http://schemas.microsoft.com/office/infopath/2007/PartnerControls">Microsoft confidential</TermName>
+          <TermId xmlns="http://schemas.microsoft.com/office/infopath/2007/PartnerControls">461efa83-0283-486a-a8d5-943328f3693f</TermId>
+        </TermInfo>
+      </Terms>
+    </ConfidentialityTaxHTField0>
+    <SMSGDomainTaxHTField0 xmlns="4e240d41-6d38-4eac-9584-b3f543b50010">
+      <Terms xmlns="http://schemas.microsoft.com/office/infopath/2007/PartnerControls">
+        <TermInfo xmlns="http://schemas.microsoft.com/office/infopath/2007/PartnerControls">
+          <TermName xmlns="http://schemas.microsoft.com/office/infopath/2007/PartnerControls">Microsoft Azure Domain</TermName>
+          <TermId xmlns="http://schemas.microsoft.com/office/infopath/2007/PartnerControls">d600a391-d529-4311-892b-2c05c1ab2538</TermId>
+        </TermInfo>
+        <TermInfo xmlns="http://schemas.microsoft.com/office/infopath/2007/PartnerControls">
+          <TermName xmlns="http://schemas.microsoft.com/office/infopath/2007/PartnerControls">Cloud and Enterprise</TermName>
+          <TermId xmlns="http://schemas.microsoft.com/office/infopath/2007/PartnerControls">adc2fe87-c79a-4ded-a449-3f86b954069d</TermId>
+        </TermInfo>
+        <TermInfo xmlns="http://schemas.microsoft.com/office/infopath/2007/PartnerControls">
+          <TermName xmlns="http://schemas.microsoft.com/office/infopath/2007/PartnerControls">Server and Tools Business</TermName>
+          <TermId xmlns="http://schemas.microsoft.com/office/infopath/2007/PartnerControls">6783548d-8609-4f97-be4a-4ca2616905a6</TermId>
+        </TermInfo>
+        <TermInfo xmlns="http://schemas.microsoft.com/office/infopath/2007/PartnerControls">
+          <TermName xmlns="http://schemas.microsoft.com/office/infopath/2007/PartnerControls">Sales, Marketing, Services Group</TermName>
+          <TermId xmlns="http://schemas.microsoft.com/office/infopath/2007/PartnerControls">ecda8836-afa0-40aa-878e-630e18c8fc5c</TermId>
+        </TermInfo>
+        <TermInfo xmlns="http://schemas.microsoft.com/office/infopath/2007/PartnerControls">
+          <TermName xmlns="http://schemas.microsoft.com/office/infopath/2007/PartnerControls">Telesales Domain</TermName>
+          <TermId xmlns="http://schemas.microsoft.com/office/infopath/2007/PartnerControls">04a5111f-c67b-4a6e-bf36-05714763ab37</TermId>
+        </TermInfo>
+        <TermInfo xmlns="http://schemas.microsoft.com/office/infopath/2007/PartnerControls">
+          <TermName xmlns="http://schemas.microsoft.com/office/infopath/2007/PartnerControls">China Market Domain</TermName>
+          <TermId xmlns="http://schemas.microsoft.com/office/infopath/2007/PartnerControls">01326006-a657-42bf-b23e-048a7db28273</TermId>
+        </TermInfo>
+      </Terms>
+    </SMSGDomainTaxHTField0>
+    <ItemTypeTaxHTField0 xmlns="4e240d41-6d38-4eac-9584-b3f543b50010">
+      <Terms xmlns="http://schemas.microsoft.com/office/infopath/2007/PartnerControls">
+        <TermInfo xmlns="http://schemas.microsoft.com/office/infopath/2007/PartnerControls">
+          <TermName xmlns="http://schemas.microsoft.com/office/infopath/2007/PartnerControls">customer presentations</TermName>
+          <TermId xmlns="http://schemas.microsoft.com/office/infopath/2007/PartnerControls">18e9ae94-e321-4eea-82d2-ad5b2f470f3c</TermId>
+        </TermInfo>
+      </Terms>
+    </ItemTypeTaxHTField0>
+    <_dlc_DocIdUrl xmlns="230e9df3-be65-4c73-a93b-d1236ebd677e">
+      <Url>http://infopedia/docstore/_layouts/DocIdRedir.aspx?ID=KC00-15-210934</Url>
+      <Description>KC00-15-210934</Description>
+    </_dlc_DocIdUrl>
+    <ProductsTaxHTField0 xmlns="4e240d41-6d38-4eac-9584-b3f543b50010">
+      <Terms xmlns="http://schemas.microsoft.com/office/infopath/2007/PartnerControls">
+        <TermInfo xmlns="http://schemas.microsoft.com/office/infopath/2007/PartnerControls">
+          <TermName xmlns="http://schemas.microsoft.com/office/infopath/2007/PartnerControls">Microsoft Azure platform</TermName>
+          <TermId xmlns="http://schemas.microsoft.com/office/infopath/2007/PartnerControls">df6aaec2-d07c-4319-b510-15a691aea35b</TermId>
+        </TermInfo>
+        <TermInfo xmlns="http://schemas.microsoft.com/office/infopath/2007/PartnerControls">
+          <TermName xmlns="http://schemas.microsoft.com/office/infopath/2007/PartnerControls">Microsoft Azure</TermName>
+          <TermId xmlns="http://schemas.microsoft.com/office/infopath/2007/PartnerControls">669a3112-5edf-444b-a003-630063601f07</TermId>
+        </TermInfo>
+      </Terms>
+    </ProductsTaxHTField0>
+    <RolesTaxHTField0 xmlns="4e240d41-6d38-4eac-9584-b3f543b50010">
+      <Terms xmlns="http://schemas.microsoft.com/office/infopath/2007/PartnerControls">
+        <TermInfo xmlns="http://schemas.microsoft.com/office/infopath/2007/PartnerControls">
+          <TermName xmlns="http://schemas.microsoft.com/office/infopath/2007/PartnerControls">Telesales Solution Specialist</TermName>
+          <TermId xmlns="http://schemas.microsoft.com/office/infopath/2007/PartnerControls">a293ec10-2fac-46ec-98ae-6149da09be06</TermId>
+        </TermInfo>
+        <TermInfo xmlns="http://schemas.microsoft.com/office/infopath/2007/PartnerControls">
+          <TermName xmlns="http://schemas.microsoft.com/office/infopath/2007/PartnerControls">Solution Sales</TermName>
+          <TermId xmlns="http://schemas.microsoft.com/office/infopath/2007/PartnerControls">170353c6-5135-48bf-b60a-c3b55ac67d1c</TermId>
+        </TermInfo>
+      </Terms>
+    </RolesTaxHTField0>
+    <PublishingPageContent xmlns="http://schemas.microsoft.com/sharepoint/v3" xsi:nil="true"/>
+    <fe32998799ba48dcafc127a14edc00fb xmlns="4e240d41-6d38-4eac-9584-b3f543b50010">
+      <Terms xmlns="http://schemas.microsoft.com/office/infopath/2007/PartnerControls"/>
+    </fe32998799ba48dcafc127a14edc00fb>
+    <RegionTaxHTField0 xmlns="4e240d41-6d38-4eac-9584-b3f543b50010">
+      <Terms xmlns="http://schemas.microsoft.com/office/infopath/2007/PartnerControls">
+        <TermInfo xmlns="http://schemas.microsoft.com/office/infopath/2007/PartnerControls">
+          <TermName xmlns="http://schemas.microsoft.com/office/infopath/2007/PartnerControls">China</TermName>
+          <TermId xmlns="http://schemas.microsoft.com/office/infopath/2007/PartnerControls">0f275d9d-9fcb-4bdb-9fdc-f425e5d35066</TermId>
+        </TermInfo>
+      </Terms>
+    </RegionTaxHTField0>
+    <GroupsTaxHTField0 xmlns="4e240d41-6d38-4eac-9584-b3f543b50010">
+      <Terms xmlns="http://schemas.microsoft.com/office/infopath/2007/PartnerControls">
+        <TermInfo xmlns="http://schemas.microsoft.com/office/infopath/2007/PartnerControls">
+          <TermName xmlns="http://schemas.microsoft.com/office/infopath/2007/PartnerControls">Microsoft Azure Marketing</TermName>
+          <TermId xmlns="http://schemas.microsoft.com/office/infopath/2007/PartnerControls">0958c357-5252-473f-8b4e-42f27525a99d</TermId>
+        </TermInfo>
+        <TermInfo xmlns="http://schemas.microsoft.com/office/infopath/2007/PartnerControls">
+          <TermName xmlns="http://schemas.microsoft.com/office/infopath/2007/PartnerControls">SMSG Readiness</TermName>
+          <TermId xmlns="http://schemas.microsoft.com/office/infopath/2007/PartnerControls">c6595b84-b463-470a-bb46-2a47364645be</TermId>
+        </TermInfo>
+        <TermInfo xmlns="http://schemas.microsoft.com/office/infopath/2007/PartnerControls">
+          <TermName xmlns="http://schemas.microsoft.com/office/infopath/2007/PartnerControls">Cloud and Enterprise Marketing Group</TermName>
+          <TermId xmlns="http://schemas.microsoft.com/office/infopath/2007/PartnerControls">4f75e184-e5aa-4234-a07f-b032d60df254</TermId>
+        </TermInfo>
+      </Terms>
+    </GroupsTaxHTField0>
+    <CoOwner xmlns="4e240d41-6d38-4eac-9584-b3f543b50010">
+      <UserInfo>
+        <DisplayName>i:0#.w|redmond\v-brisch</DisplayName>
+        <AccountId>39</AccountId>
+        <AccountType/>
+      </UserInfo>
+      <UserInfo>
+        <DisplayName>i:0#.w|redmond\meeryan</DisplayName>
+        <AccountId>44027</AccountId>
+        <AccountType/>
+      </UserInfo>
+      <UserInfo>
+        <DisplayName>i:0#.w|fareast\v-hesehg</DisplayName>
+        <AccountId>143284</AccountId>
+        <AccountType/>
+      </UserInfo>
+      <UserInfo>
+        <DisplayName>i:0#.w|redmond\chrisper</DisplayName>
+        <AccountId>38059</AccountId>
+        <AccountType/>
+      </UserInfo>
+      <UserInfo>
+        <DisplayName>i:0#.w|redmond\anushar</DisplayName>
+        <AccountId>22194</AccountId>
+        <AccountType/>
+      </UserInfo>
+      <UserInfo>
+        <DisplayName>i:0#.w|redmond\v-anmarv</DisplayName>
+        <AccountId>211331</AccountId>
+        <AccountType/>
+      </UserInfo>
+    </CoOwner>
+    <LanguagesTaxHTField0 xmlns="4e240d41-6d38-4eac-9584-b3f543b50010">
+      <Terms xmlns="http://schemas.microsoft.com/office/infopath/2007/PartnerControls">
+        <TermInfo xmlns="http://schemas.microsoft.com/office/infopath/2007/PartnerControls">
+          <TermName xmlns="http://schemas.microsoft.com/office/infopath/2007/PartnerControls">English</TermName>
+          <TermId xmlns="http://schemas.microsoft.com/office/infopath/2007/PartnerControls">cb91f272-ce4d-4a7e-9bbf-78b58e3d188d</TermId>
+        </TermInfo>
+      </Terms>
+    </LanguagesTaxHTField0>
+    <BusinessArchitectureTaxHTField0 xmlns="4e240d41-6d38-4eac-9584-b3f543b50010">
+      <Terms xmlns="http://schemas.microsoft.com/office/infopath/2007/PartnerControls">
+        <TermInfo xmlns="http://schemas.microsoft.com/office/infopath/2007/PartnerControls">
+          <TermName xmlns="http://schemas.microsoft.com/office/infopath/2007/PartnerControls">Cloud Platform (sales theme)</TermName>
+          <TermId xmlns="http://schemas.microsoft.com/office/infopath/2007/PartnerControls">ec248454-62d9-485e-995d-0cfad61f7f4c</TermId>
+        </TermInfo>
+      </Terms>
+    </BusinessArchitectureTaxHTField0>
+    <PartnersTaxHTField0 xmlns="4e240d41-6d38-4eac-9584-b3f543b50010">
+      <Terms xmlns="http://schemas.microsoft.com/office/infopath/2007/PartnerControls"/>
+    </PartnersTaxHTField0>
+    <ActivitiesAndProgramsTaxHTField0 xmlns="4e240d41-6d38-4eac-9584-b3f543b50010">
+      <Terms xmlns="http://schemas.microsoft.com/office/infopath/2007/PartnerControls">
+        <TermInfo xmlns="http://schemas.microsoft.com/office/infopath/2007/PartnerControls">
+          <TermName xmlns="http://schemas.microsoft.com/office/infopath/2007/PartnerControls">Executive Briefing Center</TermName>
+          <TermId xmlns="http://schemas.microsoft.com/office/infopath/2007/PartnerControls">f6f45d27-6c93-466a-8cd5-2846af886eb9</TermId>
+        </TermInfo>
+        <TermInfo xmlns="http://schemas.microsoft.com/office/infopath/2007/PartnerControls">
+          <TermName xmlns="http://schemas.microsoft.com/office/infopath/2007/PartnerControls">Worldwide Inside Sales Readiness</TermName>
+          <TermId xmlns="http://schemas.microsoft.com/office/infopath/2007/PartnerControls">3a4e01ea-907e-4f11-9b1b-2424e207e8d1</TermId>
+        </TermInfo>
+      </Terms>
+    </ActivitiesAndProgramsTaxHTField0>
+    <ApplyWorkflowRules xmlns="4e240d41-6d38-4eac-9584-b3f543b50010">Yes</ApplyWorkflowRules>
+    <TaxCatchAll xmlns="230e9df3-be65-4c73-a93b-d1236ebd677e">
+      <Value>20682</Value>
+      <Value>18422</Value>
+      <Value>13833</Value>
+      <Value>10205</Value>
+      <Value>10056</Value>
+      <Value>13755</Value>
+      <Value>20050</Value>
+      <Value>10052</Value>
+      <Value>18906</Value>
+      <Value>20557</Value>
+      <Value>21</Value>
+      <Value>14856</Value>
+      <Value>12938</Value>
+      <Value>18442</Value>
+      <Value>19685</Value>
+      <Value>10077</Value>
+      <Value>20954</Value>
+      <Value>17845</Value>
+      <Value>20730</Value>
+      <Value>19399</Value>
+      <Value>10849</Value>
+      <Value>10921</Value>
+      <Value>15579</Value>
+      <Value>17058</Value>
+      <Value>13172</Value>
+    </TaxCatchAll>
+  </documentManagement>
+</p:properties>
 </file>
 
 <file path=customXml/item4.xml><?xml version="1.0" encoding="utf-8"?>
+<?mso-contentType ?>
+<FormTemplates xmlns="http://schemas.microsoft.com/sharepoint/v3/contenttype/forms">
+  <Display>DocumentLibraryForm</Display>
+  <Edit>DocumentLibraryForm</Edit>
+  <New>DocumentLibraryForm</New>
+</FormTemplates>
+</file>
+
+<file path=customXml/item5.xml><?xml version="1.0" encoding="utf-8"?>
 <?mso-contentType ?>
 <spe:Receivers xmlns:spe="http://schemas.microsoft.com/sharepoint/events">
   <Receiver>
@@ -45917,31 +43672,10 @@
 </spe:Receivers>
 </file>
 
-<file path=customXml/item5.xml><?xml version="1.0" encoding="utf-8"?>
-<?mso-contentType ?>
-<FormTemplates xmlns="http://schemas.microsoft.com/sharepoint/v3/contenttype/forms">
-  <Display>DocumentLibraryForm</Display>
-  <Edit>DocumentLibraryForm</Edit>
-  <New>DocumentLibraryForm</New>
-</FormTemplates>
-</file>
-
 <file path=customXml/itemProps1.xml><?xml version="1.0" encoding="utf-8"?>
-<ds:datastoreItem xmlns:ds="http://schemas.openxmlformats.org/officeDocument/2006/customXml" ds:itemID="{14D87765-BD76-43B8-A7B8-9DBD5B7B4763}">
+<ds:datastoreItem xmlns:ds="http://schemas.openxmlformats.org/officeDocument/2006/customXml" ds:itemID="{C12AFFCC-E1DC-4673-B786-3C88E30A3D8E}">
   <ds:schemaRefs>
-    <ds:schemaRef ds:uri="230e9df3-be65-4c73-a93b-d1236ebd677e"/>
-    <ds:schemaRef ds:uri="http://purl.org/dc/elements/1.1/"/>
-    <ds:schemaRef ds:uri="http://schemas.microsoft.com/office/2006/metadata/properties"/>
-    <ds:schemaRef ds:uri="7b813d5f-7206-4d46-95a5-a58185f478af"/>
-    <ds:schemaRef ds:uri="http://schemas.microsoft.com/office/infopath/2007/PartnerControls"/>
-    <ds:schemaRef ds:uri="http://purl.org/dc/terms/"/>
-    <ds:schemaRef ds:uri="4e240d41-6d38-4eac-9584-b3f543b50010"/>
-    <ds:schemaRef ds:uri="http://schemas.openxmlformats.org/package/2006/metadata/core-properties"/>
-    <ds:schemaRef ds:uri="http://schemas.microsoft.com/office/2006/documentManagement/types"/>
-    <ds:schemaRef ds:uri="http://schemas.microsoft.com/sharepoint/v4"/>
-    <ds:schemaRef ds:uri="http://schemas.microsoft.com/sharepoint/v3"/>
-    <ds:schemaRef ds:uri="http://www.w3.org/XML/1998/namespace"/>
-    <ds:schemaRef ds:uri="http://purl.org/dc/dcmitype/"/>
+    <ds:schemaRef ds:uri="Microsoft.SharePoint.Taxonomy.ContentTypeSync"/>
   </ds:schemaRefs>
 </ds:datastoreItem>
 </file>
@@ -45969,25 +43703,37 @@
 </file>
 
 <file path=customXml/itemProps3.xml><?xml version="1.0" encoding="utf-8"?>
-<ds:datastoreItem xmlns:ds="http://schemas.openxmlformats.org/officeDocument/2006/customXml" ds:itemID="{C12AFFCC-E1DC-4673-B786-3C88E30A3D8E}">
+<ds:datastoreItem xmlns:ds="http://schemas.openxmlformats.org/officeDocument/2006/customXml" ds:itemID="{14D87765-BD76-43B8-A7B8-9DBD5B7B4763}">
   <ds:schemaRefs>
-    <ds:schemaRef ds:uri="Microsoft.SharePoint.Taxonomy.ContentTypeSync"/>
+    <ds:schemaRef ds:uri="230e9df3-be65-4c73-a93b-d1236ebd677e"/>
+    <ds:schemaRef ds:uri="http://purl.org/dc/elements/1.1/"/>
+    <ds:schemaRef ds:uri="http://schemas.microsoft.com/office/2006/metadata/properties"/>
+    <ds:schemaRef ds:uri="7b813d5f-7206-4d46-95a5-a58185f478af"/>
+    <ds:schemaRef ds:uri="http://schemas.microsoft.com/office/infopath/2007/PartnerControls"/>
+    <ds:schemaRef ds:uri="http://purl.org/dc/terms/"/>
+    <ds:schemaRef ds:uri="4e240d41-6d38-4eac-9584-b3f543b50010"/>
+    <ds:schemaRef ds:uri="http://schemas.openxmlformats.org/package/2006/metadata/core-properties"/>
+    <ds:schemaRef ds:uri="http://schemas.microsoft.com/office/2006/documentManagement/types"/>
+    <ds:schemaRef ds:uri="http://schemas.microsoft.com/sharepoint/v4"/>
+    <ds:schemaRef ds:uri="http://schemas.microsoft.com/sharepoint/v3"/>
+    <ds:schemaRef ds:uri="http://www.w3.org/XML/1998/namespace"/>
+    <ds:schemaRef ds:uri="http://purl.org/dc/dcmitype/"/>
   </ds:schemaRefs>
 </ds:datastoreItem>
 </file>
 
 <file path=customXml/itemProps4.xml><?xml version="1.0" encoding="utf-8"?>
+<ds:datastoreItem xmlns:ds="http://schemas.openxmlformats.org/officeDocument/2006/customXml" ds:itemID="{637CE760-3C25-48EA-9D92-DCD8CAA51C39}">
+  <ds:schemaRefs>
+    <ds:schemaRef ds:uri="http://schemas.microsoft.com/sharepoint/v3/contenttype/forms"/>
+  </ds:schemaRefs>
+</ds:datastoreItem>
+</file>
+
+<file path=customXml/itemProps5.xml><?xml version="1.0" encoding="utf-8"?>
 <ds:datastoreItem xmlns:ds="http://schemas.openxmlformats.org/officeDocument/2006/customXml" ds:itemID="{E5FD8E07-4E68-4E3F-96BD-4FFA3AC81A1B}">
   <ds:schemaRefs>
     <ds:schemaRef ds:uri="http://schemas.microsoft.com/sharepoint/events"/>
   </ds:schemaRefs>
 </ds:datastoreItem>
-</file>
-
-<file path=customXml/itemProps5.xml><?xml version="1.0" encoding="utf-8"?>
-<ds:datastoreItem xmlns:ds="http://schemas.openxmlformats.org/officeDocument/2006/customXml" ds:itemID="{637CE760-3C25-48EA-9D92-DCD8CAA51C39}">
-  <ds:schemaRefs>
-    <ds:schemaRef ds:uri="http://schemas.microsoft.com/sharepoint/v3/contenttype/forms"/>
-  </ds:schemaRefs>
-</ds:datastoreItem>
 </file>